--- a/image/Гибридная станция MY.pptx
+++ b/image/Гибридная станция MY.pptx
@@ -5,7 +5,7 @@
     <p:sldMasterId id="2147483732" r:id="rId1"/>
   </p:sldMasterIdLst>
   <p:notesMasterIdLst>
-    <p:notesMasterId r:id="rId29"/>
+    <p:notesMasterId r:id="rId28"/>
   </p:notesMasterIdLst>
   <p:sldIdLst>
     <p:sldId id="258" r:id="rId2"/>
@@ -21,20 +21,19 @@
     <p:sldId id="265" r:id="rId12"/>
     <p:sldId id="266" r:id="rId13"/>
     <p:sldId id="273" r:id="rId14"/>
-    <p:sldId id="287" r:id="rId15"/>
-    <p:sldId id="286" r:id="rId16"/>
-    <p:sldId id="285" r:id="rId17"/>
-    <p:sldId id="284" r:id="rId18"/>
-    <p:sldId id="283" r:id="rId19"/>
-    <p:sldId id="282" r:id="rId20"/>
-    <p:sldId id="281" r:id="rId21"/>
-    <p:sldId id="280" r:id="rId22"/>
-    <p:sldId id="279" r:id="rId23"/>
-    <p:sldId id="278" r:id="rId24"/>
-    <p:sldId id="277" r:id="rId25"/>
-    <p:sldId id="276" r:id="rId26"/>
-    <p:sldId id="275" r:id="rId27"/>
-    <p:sldId id="274" r:id="rId28"/>
+    <p:sldId id="286" r:id="rId15"/>
+    <p:sldId id="285" r:id="rId16"/>
+    <p:sldId id="284" r:id="rId17"/>
+    <p:sldId id="283" r:id="rId18"/>
+    <p:sldId id="282" r:id="rId19"/>
+    <p:sldId id="281" r:id="rId20"/>
+    <p:sldId id="280" r:id="rId21"/>
+    <p:sldId id="279" r:id="rId22"/>
+    <p:sldId id="278" r:id="rId23"/>
+    <p:sldId id="277" r:id="rId24"/>
+    <p:sldId id="276" r:id="rId25"/>
+    <p:sldId id="275" r:id="rId26"/>
+    <p:sldId id="274" r:id="rId27"/>
   </p:sldIdLst>
   <p:sldSz cx="12188825" cy="6858000"/>
   <p:notesSz cx="9144000" cy="6858000"/>
@@ -154,7 +153,6 @@
             <p14:sldId id="265"/>
             <p14:sldId id="266"/>
             <p14:sldId id="273"/>
-            <p14:sldId id="287"/>
             <p14:sldId id="286"/>
             <p14:sldId id="285"/>
             <p14:sldId id="284"/>
@@ -7727,777 +7725,6 @@
       </p:cxnSp>
       <p:cxnSp>
         <p:nvCxnSpPr>
-          <p:cNvPr id="41" name="Прямая соединительная линия 40">
-            <a:extLst>
-              <a:ext uri="{FF2B5EF4-FFF2-40B4-BE49-F238E27FC236}">
-                <a16:creationId xmlns:a16="http://schemas.microsoft.com/office/drawing/2014/main" id="{6040CC6E-1E40-4425-B9DF-A9CF82E6515E}"/>
-              </a:ext>
-            </a:extLst>
-          </p:cNvPr>
-          <p:cNvCxnSpPr>
-            <a:cxnSpLocks/>
-          </p:cNvCxnSpPr>
-          <p:nvPr/>
-        </p:nvCxnSpPr>
-        <p:spPr>
-          <a:xfrm flipV="1">
-            <a:off x="2688879" y="1246240"/>
-            <a:ext cx="3709470" cy="26707"/>
-          </a:xfrm>
-          <a:prstGeom prst="line">
-            <a:avLst/>
-          </a:prstGeom>
-          <a:ln w="50800" cmpd="sng">
-            <a:solidFill>
-              <a:srgbClr val="657383"/>
-            </a:solidFill>
-          </a:ln>
-        </p:spPr>
-        <p:style>
-          <a:lnRef idx="1">
-            <a:schemeClr val="accent1"/>
-          </a:lnRef>
-          <a:fillRef idx="0">
-            <a:schemeClr val="accent1"/>
-          </a:fillRef>
-          <a:effectRef idx="0">
-            <a:schemeClr val="accent1"/>
-          </a:effectRef>
-          <a:fontRef idx="minor">
-            <a:schemeClr val="tx1"/>
-          </a:fontRef>
-        </p:style>
-      </p:cxnSp>
-      <p:cxnSp>
-        <p:nvCxnSpPr>
-          <p:cNvPr id="44" name="Прямая соединительная линия 43">
-            <a:extLst>
-              <a:ext uri="{FF2B5EF4-FFF2-40B4-BE49-F238E27FC236}">
-                <a16:creationId xmlns:a16="http://schemas.microsoft.com/office/drawing/2014/main" id="{6040CC6E-1E40-4425-B9DF-A9CF82E6515E}"/>
-              </a:ext>
-            </a:extLst>
-          </p:cNvPr>
-          <p:cNvCxnSpPr>
-            <a:cxnSpLocks/>
-          </p:cNvCxnSpPr>
-          <p:nvPr/>
-        </p:nvCxnSpPr>
-        <p:spPr>
-          <a:xfrm>
-            <a:off x="1558313" y="3509230"/>
-            <a:ext cx="742384" cy="0"/>
-          </a:xfrm>
-          <a:prstGeom prst="line">
-            <a:avLst/>
-          </a:prstGeom>
-          <a:ln w="50800" cmpd="sng">
-            <a:solidFill>
-              <a:srgbClr val="657383"/>
-            </a:solidFill>
-          </a:ln>
-        </p:spPr>
-        <p:style>
-          <a:lnRef idx="1">
-            <a:schemeClr val="accent1"/>
-          </a:lnRef>
-          <a:fillRef idx="0">
-            <a:schemeClr val="accent1"/>
-          </a:fillRef>
-          <a:effectRef idx="0">
-            <a:schemeClr val="accent1"/>
-          </a:effectRef>
-          <a:fontRef idx="minor">
-            <a:schemeClr val="tx1"/>
-          </a:fontRef>
-        </p:style>
-      </p:cxnSp>
-      <p:cxnSp>
-        <p:nvCxnSpPr>
-          <p:cNvPr id="48" name="Прямая соединительная линия 47">
-            <a:extLst>
-              <a:ext uri="{FF2B5EF4-FFF2-40B4-BE49-F238E27FC236}">
-                <a16:creationId xmlns:a16="http://schemas.microsoft.com/office/drawing/2014/main" id="{6040CC6E-1E40-4425-B9DF-A9CF82E6515E}"/>
-              </a:ext>
-            </a:extLst>
-          </p:cNvPr>
-          <p:cNvCxnSpPr>
-            <a:cxnSpLocks/>
-          </p:cNvCxnSpPr>
-          <p:nvPr/>
-        </p:nvCxnSpPr>
-        <p:spPr>
-          <a:xfrm flipV="1">
-            <a:off x="2784887" y="3482521"/>
-            <a:ext cx="3613462" cy="26708"/>
-          </a:xfrm>
-          <a:prstGeom prst="line">
-            <a:avLst/>
-          </a:prstGeom>
-          <a:ln w="50800" cmpd="sng">
-            <a:solidFill>
-              <a:srgbClr val="657383"/>
-            </a:solidFill>
-          </a:ln>
-        </p:spPr>
-        <p:style>
-          <a:lnRef idx="1">
-            <a:schemeClr val="accent1"/>
-          </a:lnRef>
-          <a:fillRef idx="0">
-            <a:schemeClr val="accent1"/>
-          </a:fillRef>
-          <a:effectRef idx="0">
-            <a:schemeClr val="accent1"/>
-          </a:effectRef>
-          <a:fontRef idx="minor">
-            <a:schemeClr val="tx1"/>
-          </a:fontRef>
-        </p:style>
-      </p:cxnSp>
-      <p:pic>
-        <p:nvPicPr>
-          <p:cNvPr id="59" name="Рисунок 58">
-            <a:extLst>
-              <a:ext uri="{FF2B5EF4-FFF2-40B4-BE49-F238E27FC236}">
-                <a16:creationId xmlns:a16="http://schemas.microsoft.com/office/drawing/2014/main" id="{3BD6C3D5-5E61-45CB-B475-D6A555F3E6D1}"/>
-              </a:ext>
-            </a:extLst>
-          </p:cNvPr>
-          <p:cNvPicPr>
-            <a:picLocks noChangeAspect="1"/>
-          </p:cNvPicPr>
-          <p:nvPr/>
-        </p:nvPicPr>
-        <p:blipFill>
-          <a:blip r:embed="rId9"/>
-          <a:stretch>
-            <a:fillRect/>
-          </a:stretch>
-        </p:blipFill>
-        <p:spPr>
-          <a:xfrm>
-            <a:off x="5322711" y="3645655"/>
-            <a:ext cx="935530" cy="265998"/>
-          </a:xfrm>
-          <a:prstGeom prst="rect">
-            <a:avLst/>
-          </a:prstGeom>
-        </p:spPr>
-      </p:pic>
-      <p:cxnSp>
-        <p:nvCxnSpPr>
-          <p:cNvPr id="69" name="Прямая соединительная линия 68">
-            <a:extLst>
-              <a:ext uri="{FF2B5EF4-FFF2-40B4-BE49-F238E27FC236}">
-                <a16:creationId xmlns:a16="http://schemas.microsoft.com/office/drawing/2014/main" id="{6040CC6E-1E40-4425-B9DF-A9CF82E6515E}"/>
-              </a:ext>
-            </a:extLst>
-          </p:cNvPr>
-          <p:cNvCxnSpPr>
-            <a:cxnSpLocks/>
-            <a:endCxn id="107" idx="1"/>
-          </p:cNvCxnSpPr>
-          <p:nvPr/>
-        </p:nvCxnSpPr>
-        <p:spPr>
-          <a:xfrm flipV="1">
-            <a:off x="6398349" y="3489198"/>
-            <a:ext cx="2142931" cy="6678"/>
-          </a:xfrm>
-          <a:prstGeom prst="line">
-            <a:avLst/>
-          </a:prstGeom>
-          <a:ln w="50800" cmpd="sng">
-            <a:solidFill>
-              <a:srgbClr val="657383"/>
-            </a:solidFill>
-          </a:ln>
-        </p:spPr>
-        <p:style>
-          <a:lnRef idx="1">
-            <a:schemeClr val="accent1"/>
-          </a:lnRef>
-          <a:fillRef idx="0">
-            <a:schemeClr val="accent1"/>
-          </a:fillRef>
-          <a:effectRef idx="0">
-            <a:schemeClr val="accent1"/>
-          </a:effectRef>
-          <a:fontRef idx="minor">
-            <a:schemeClr val="tx1"/>
-          </a:fontRef>
-        </p:style>
-      </p:cxnSp>
-      <p:cxnSp>
-        <p:nvCxnSpPr>
-          <p:cNvPr id="73" name="Прямая соединительная линия 72">
-            <a:extLst>
-              <a:ext uri="{FF2B5EF4-FFF2-40B4-BE49-F238E27FC236}">
-                <a16:creationId xmlns:a16="http://schemas.microsoft.com/office/drawing/2014/main" id="{6040CC6E-1E40-4425-B9DF-A9CF82E6515E}"/>
-              </a:ext>
-            </a:extLst>
-          </p:cNvPr>
-          <p:cNvCxnSpPr>
-            <a:cxnSpLocks/>
-            <a:endCxn id="16" idx="1"/>
-          </p:cNvCxnSpPr>
-          <p:nvPr/>
-        </p:nvCxnSpPr>
-        <p:spPr>
-          <a:xfrm>
-            <a:off x="9112395" y="3482521"/>
-            <a:ext cx="1937284" cy="0"/>
-          </a:xfrm>
-          <a:prstGeom prst="line">
-            <a:avLst/>
-          </a:prstGeom>
-          <a:ln w="50800" cmpd="sng">
-            <a:solidFill>
-              <a:srgbClr val="657383"/>
-            </a:solidFill>
-          </a:ln>
-        </p:spPr>
-        <p:style>
-          <a:lnRef idx="1">
-            <a:schemeClr val="accent1"/>
-          </a:lnRef>
-          <a:fillRef idx="0">
-            <a:schemeClr val="accent1"/>
-          </a:fillRef>
-          <a:effectRef idx="0">
-            <a:schemeClr val="accent1"/>
-          </a:effectRef>
-          <a:fontRef idx="minor">
-            <a:schemeClr val="tx1"/>
-          </a:fontRef>
-        </p:style>
-      </p:cxnSp>
-      <p:pic>
-        <p:nvPicPr>
-          <p:cNvPr id="84" name="Рисунок 83">
-            <a:extLst>
-              <a:ext uri="{FF2B5EF4-FFF2-40B4-BE49-F238E27FC236}">
-                <a16:creationId xmlns:a16="http://schemas.microsoft.com/office/drawing/2014/main" id="{2C257CCA-D95E-419C-986A-C754A2F592D6}"/>
-              </a:ext>
-            </a:extLst>
-          </p:cNvPr>
-          <p:cNvPicPr>
-            <a:picLocks noChangeAspect="1"/>
-          </p:cNvPicPr>
-          <p:nvPr/>
-        </p:nvPicPr>
-        <p:blipFill>
-          <a:blip r:embed="rId9"/>
-          <a:stretch>
-            <a:fillRect/>
-          </a:stretch>
-        </p:blipFill>
-        <p:spPr>
-          <a:xfrm>
-            <a:off x="5189705" y="1375669"/>
-            <a:ext cx="935530" cy="265998"/>
-          </a:xfrm>
-          <a:prstGeom prst="rect">
-            <a:avLst/>
-          </a:prstGeom>
-        </p:spPr>
-      </p:pic>
-      <p:pic>
-        <p:nvPicPr>
-          <p:cNvPr id="92" name="Рисунок 91">
-            <a:extLst>
-              <a:ext uri="{FF2B5EF4-FFF2-40B4-BE49-F238E27FC236}">
-                <a16:creationId xmlns:a16="http://schemas.microsoft.com/office/drawing/2014/main" id="{48CD9DDB-9252-43FD-8467-65A7F1E3B3A0}"/>
-              </a:ext>
-            </a:extLst>
-          </p:cNvPr>
-          <p:cNvPicPr>
-            <a:picLocks noChangeAspect="1"/>
-          </p:cNvPicPr>
-          <p:nvPr/>
-        </p:nvPicPr>
-        <p:blipFill>
-          <a:blip r:embed="rId9"/>
-          <a:stretch>
-            <a:fillRect/>
-          </a:stretch>
-        </p:blipFill>
-        <p:spPr>
-          <a:xfrm>
-            <a:off x="7086888" y="3645655"/>
-            <a:ext cx="935530" cy="265998"/>
-          </a:xfrm>
-          <a:prstGeom prst="rect">
-            <a:avLst/>
-          </a:prstGeom>
-        </p:spPr>
-      </p:pic>
-      <p:pic>
-        <p:nvPicPr>
-          <p:cNvPr id="107" name="Рисунок 106">
-            <a:extLst>
-              <a:ext uri="{FF2B5EF4-FFF2-40B4-BE49-F238E27FC236}">
-                <a16:creationId xmlns:a16="http://schemas.microsoft.com/office/drawing/2014/main" id="{F5D1A1D3-57AD-4D4A-B216-C3721025A941}"/>
-              </a:ext>
-            </a:extLst>
-          </p:cNvPr>
-          <p:cNvPicPr>
-            <a:picLocks noChangeAspect="1"/>
-          </p:cNvPicPr>
-          <p:nvPr/>
-        </p:nvPicPr>
-        <p:blipFill>
-          <a:blip r:embed="rId10"/>
-          <a:stretch>
-            <a:fillRect/>
-          </a:stretch>
-        </p:blipFill>
-        <p:spPr>
-          <a:xfrm>
-            <a:off x="8541280" y="2650307"/>
-            <a:ext cx="645633" cy="1677782"/>
-          </a:xfrm>
-          <a:prstGeom prst="rect">
-            <a:avLst/>
-          </a:prstGeom>
-        </p:spPr>
-      </p:pic>
-      <p:sp>
-        <p:nvSpPr>
-          <p:cNvPr id="4" name="TextBox 3">
-            <a:extLst>
-              <a:ext uri="{FF2B5EF4-FFF2-40B4-BE49-F238E27FC236}">
-                <a16:creationId xmlns:a16="http://schemas.microsoft.com/office/drawing/2014/main" id="{28CE1D05-4CA1-4145-86B3-01AD0E379482}"/>
-              </a:ext>
-            </a:extLst>
-          </p:cNvPr>
-          <p:cNvSpPr txBox="1"/>
-          <p:nvPr/>
-        </p:nvSpPr>
-        <p:spPr>
-          <a:xfrm>
-            <a:off x="6917669" y="316426"/>
-            <a:ext cx="5404909" cy="400110"/>
-          </a:xfrm>
-          <a:prstGeom prst="rect">
-            <a:avLst/>
-          </a:prstGeom>
-          <a:noFill/>
-        </p:spPr>
-        <p:txBody>
-          <a:bodyPr wrap="square" rtlCol="0">
-            <a:spAutoFit/>
-          </a:bodyPr>
-          <a:lstStyle/>
-          <a:p>
-            <a:pPr marL="0" marR="0" lvl="0" indent="0" algn="l" defTabSz="457200" rtl="0" eaLnBrk="1" fontAlgn="auto" latinLnBrk="0" hangingPunct="1">
-              <a:lnSpc>
-                <a:spcPct val="100000"/>
-              </a:lnSpc>
-              <a:spcBef>
-                <a:spcPts val="0"/>
-              </a:spcBef>
-              <a:spcAft>
-                <a:spcPts val="0"/>
-              </a:spcAft>
-              <a:buClrTx/>
-              <a:buSzTx/>
-              <a:buFontTx/>
-              <a:buNone/>
-              <a:tabLst/>
-              <a:defRPr/>
-            </a:pPr>
-            <a:r>
-              <a:rPr kumimoji="0" lang="ru-RU" sz="2000" b="0" i="0" u="none" strike="noStrike" kern="1200" cap="none" spc="0" normalizeH="0" baseline="0" noProof="0" dirty="0">
-                <a:ln>
-                  <a:noFill/>
-                </a:ln>
-                <a:solidFill>
-                  <a:prstClr val="black"/>
-                </a:solidFill>
-                <a:effectLst/>
-                <a:uLnTx/>
-                <a:uFillTx/>
-                <a:latin typeface="Calibri" panose="020F0502020204030204"/>
-                <a:ea typeface="+mn-ea"/>
-                <a:cs typeface="+mn-cs"/>
-              </a:rPr>
-              <a:t>Генерация мощности в сеть от ФЭМ и ДГУ </a:t>
-            </a:r>
-          </a:p>
-        </p:txBody>
-      </p:sp>
-    </p:spTree>
-    <p:extLst>
-      <p:ext uri="{BB962C8B-B14F-4D97-AF65-F5344CB8AC3E}">
-        <p14:creationId xmlns:p14="http://schemas.microsoft.com/office/powerpoint/2010/main" val="975608937"/>
-      </p:ext>
-    </p:extLst>
-  </p:cSld>
-  <p:clrMapOvr>
-    <a:masterClrMapping/>
-  </p:clrMapOvr>
-</p:sld>
-</file>
-
-<file path=ppt/slides/slide15.xml><?xml version="1.0" encoding="utf-8"?>
-<p:sld xmlns:a="http://schemas.openxmlformats.org/drawingml/2006/main" xmlns:r="http://schemas.openxmlformats.org/officeDocument/2006/relationships" xmlns:p="http://schemas.openxmlformats.org/presentationml/2006/main">
-  <p:cSld>
-    <p:bg>
-      <p:bgPr>
-        <a:solidFill>
-          <a:schemeClr val="bg1"/>
-        </a:solidFill>
-        <a:effectLst/>
-      </p:bgPr>
-    </p:bg>
-    <p:spTree>
-      <p:nvGrpSpPr>
-        <p:cNvPr id="1" name=""/>
-        <p:cNvGrpSpPr/>
-        <p:nvPr/>
-      </p:nvGrpSpPr>
-      <p:grpSpPr>
-        <a:xfrm>
-          <a:off x="0" y="0"/>
-          <a:ext cx="0" cy="0"/>
-          <a:chOff x="0" y="0"/>
-          <a:chExt cx="0" cy="0"/>
-        </a:xfrm>
-      </p:grpSpPr>
-      <p:pic>
-        <p:nvPicPr>
-          <p:cNvPr id="12" name="Рисунок 11">
-            <a:extLst>
-              <a:ext uri="{FF2B5EF4-FFF2-40B4-BE49-F238E27FC236}">
-                <a16:creationId xmlns:a16="http://schemas.microsoft.com/office/drawing/2014/main" id="{DE009B6A-1EBB-4AD8-B638-8BBCBEC0CA97}"/>
-              </a:ext>
-            </a:extLst>
-          </p:cNvPr>
-          <p:cNvPicPr>
-            <a:picLocks noChangeAspect="1"/>
-          </p:cNvPicPr>
-          <p:nvPr/>
-        </p:nvPicPr>
-        <p:blipFill>
-          <a:blip r:embed="rId2"/>
-          <a:stretch>
-            <a:fillRect/>
-          </a:stretch>
-        </p:blipFill>
-        <p:spPr>
-          <a:xfrm>
-            <a:off x="55823" y="57407"/>
-            <a:ext cx="2877499" cy="1318258"/>
-          </a:xfrm>
-          <a:prstGeom prst="rect">
-            <a:avLst/>
-          </a:prstGeom>
-        </p:spPr>
-      </p:pic>
-      <p:pic>
-        <p:nvPicPr>
-          <p:cNvPr id="16" name="Рисунок 15">
-            <a:extLst>
-              <a:ext uri="{FF2B5EF4-FFF2-40B4-BE49-F238E27FC236}">
-                <a16:creationId xmlns:a16="http://schemas.microsoft.com/office/drawing/2014/main" id="{001EEE8D-1ABC-4A40-A959-41829B203CDF}"/>
-              </a:ext>
-            </a:extLst>
-          </p:cNvPr>
-          <p:cNvPicPr>
-            <a:picLocks noChangeAspect="1"/>
-          </p:cNvPicPr>
-          <p:nvPr/>
-        </p:nvPicPr>
-        <p:blipFill>
-          <a:blip r:embed="rId3"/>
-          <a:stretch>
-            <a:fillRect/>
-          </a:stretch>
-        </p:blipFill>
-        <p:spPr>
-          <a:xfrm>
-            <a:off x="11049679" y="2347186"/>
-            <a:ext cx="1051420" cy="2270669"/>
-          </a:xfrm>
-          <a:prstGeom prst="rect">
-            <a:avLst/>
-          </a:prstGeom>
-        </p:spPr>
-      </p:pic>
-      <p:pic>
-        <p:nvPicPr>
-          <p:cNvPr id="18" name="Рисунок 17">
-            <a:extLst>
-              <a:ext uri="{FF2B5EF4-FFF2-40B4-BE49-F238E27FC236}">
-                <a16:creationId xmlns:a16="http://schemas.microsoft.com/office/drawing/2014/main" id="{567D900F-FC6D-4842-A14F-DF95DC198CCB}"/>
-              </a:ext>
-            </a:extLst>
-          </p:cNvPr>
-          <p:cNvPicPr>
-            <a:picLocks noChangeAspect="1"/>
-          </p:cNvPicPr>
-          <p:nvPr/>
-        </p:nvPicPr>
-        <p:blipFill>
-          <a:blip r:embed="rId4"/>
-          <a:stretch>
-            <a:fillRect/>
-          </a:stretch>
-        </p:blipFill>
-        <p:spPr>
-          <a:xfrm>
-            <a:off x="17108" y="2763629"/>
-            <a:ext cx="1654023" cy="1670646"/>
-          </a:xfrm>
-          <a:prstGeom prst="rect">
-            <a:avLst/>
-          </a:prstGeom>
-        </p:spPr>
-      </p:pic>
-      <p:pic>
-        <p:nvPicPr>
-          <p:cNvPr id="22" name="Рисунок 21">
-            <a:extLst>
-              <a:ext uri="{FF2B5EF4-FFF2-40B4-BE49-F238E27FC236}">
-                <a16:creationId xmlns:a16="http://schemas.microsoft.com/office/drawing/2014/main" id="{D8D148AE-691D-4316-A69A-C3C8DBC38F5F}"/>
-              </a:ext>
-            </a:extLst>
-          </p:cNvPr>
-          <p:cNvPicPr>
-            <a:picLocks noChangeAspect="1"/>
-          </p:cNvPicPr>
-          <p:nvPr/>
-        </p:nvPicPr>
-        <p:blipFill>
-          <a:blip r:embed="rId5"/>
-          <a:stretch>
-            <a:fillRect/>
-          </a:stretch>
-        </p:blipFill>
-        <p:spPr>
-          <a:xfrm>
-            <a:off x="3638519" y="5019969"/>
-            <a:ext cx="614158" cy="1648534"/>
-          </a:xfrm>
-          <a:prstGeom prst="rect">
-            <a:avLst/>
-          </a:prstGeom>
-        </p:spPr>
-      </p:pic>
-      <p:pic>
-        <p:nvPicPr>
-          <p:cNvPr id="34" name="Рисунок 33">
-            <a:extLst>
-              <a:ext uri="{FF2B5EF4-FFF2-40B4-BE49-F238E27FC236}">
-                <a16:creationId xmlns:a16="http://schemas.microsoft.com/office/drawing/2014/main" id="{2069F1AD-93BB-429F-AFBB-C0944FFAC417}"/>
-              </a:ext>
-            </a:extLst>
-          </p:cNvPr>
-          <p:cNvPicPr>
-            <a:picLocks noChangeAspect="1"/>
-          </p:cNvPicPr>
-          <p:nvPr/>
-        </p:nvPicPr>
-        <p:blipFill>
-          <a:blip r:embed="rId6"/>
-          <a:stretch>
-            <a:fillRect/>
-          </a:stretch>
-        </p:blipFill>
-        <p:spPr>
-          <a:xfrm>
-            <a:off x="9620124" y="3649290"/>
-            <a:ext cx="1051421" cy="268009"/>
-          </a:xfrm>
-          <a:prstGeom prst="rect">
-            <a:avLst/>
-          </a:prstGeom>
-        </p:spPr>
-      </p:pic>
-      <p:sp>
-        <p:nvSpPr>
-          <p:cNvPr id="3" name="Стрелка: вниз 2">
-            <a:extLst>
-              <a:ext uri="{FF2B5EF4-FFF2-40B4-BE49-F238E27FC236}">
-                <a16:creationId xmlns:a16="http://schemas.microsoft.com/office/drawing/2014/main" id="{3E49A272-BA35-4B1E-9B7B-639619D689B9}"/>
-              </a:ext>
-            </a:extLst>
-          </p:cNvPr>
-          <p:cNvSpPr/>
-          <p:nvPr/>
-        </p:nvSpPr>
-        <p:spPr>
-          <a:xfrm rot="10800000">
-            <a:off x="11417701" y="1166172"/>
-            <a:ext cx="315376" cy="1104560"/>
-          </a:xfrm>
-          <a:prstGeom prst="downArrow">
-            <a:avLst/>
-          </a:prstGeom>
-          <a:solidFill>
-            <a:srgbClr val="657383"/>
-          </a:solidFill>
-        </p:spPr>
-        <p:style>
-          <a:lnRef idx="2">
-            <a:schemeClr val="accent1">
-              <a:shade val="50000"/>
-            </a:schemeClr>
-          </a:lnRef>
-          <a:fillRef idx="1">
-            <a:schemeClr val="accent1"/>
-          </a:fillRef>
-          <a:effectRef idx="0">
-            <a:schemeClr val="accent1"/>
-          </a:effectRef>
-          <a:fontRef idx="minor">
-            <a:schemeClr val="lt1"/>
-          </a:fontRef>
-        </p:style>
-        <p:txBody>
-          <a:bodyPr rtlCol="0" anchor="ctr"/>
-          <a:lstStyle/>
-          <a:p>
-            <a:pPr marL="0" marR="0" lvl="0" indent="0" algn="ctr" defTabSz="457200" rtl="0" eaLnBrk="1" fontAlgn="auto" latinLnBrk="0" hangingPunct="1">
-              <a:lnSpc>
-                <a:spcPct val="100000"/>
-              </a:lnSpc>
-              <a:spcBef>
-                <a:spcPts val="0"/>
-              </a:spcBef>
-              <a:spcAft>
-                <a:spcPts val="0"/>
-              </a:spcAft>
-              <a:buClrTx/>
-              <a:buSzTx/>
-              <a:buFontTx/>
-              <a:buNone/>
-              <a:tabLst/>
-              <a:defRPr/>
-            </a:pPr>
-            <a:endParaRPr kumimoji="0" lang="ru-RU" sz="1117" b="0" i="0" u="none" strike="noStrike" kern="1200" cap="none" spc="0" normalizeH="0" baseline="0" noProof="0">
-              <a:ln>
-                <a:noFill/>
-              </a:ln>
-              <a:solidFill>
-                <a:prstClr val="white"/>
-              </a:solidFill>
-              <a:effectLst/>
-              <a:uLnTx/>
-              <a:uFillTx/>
-              <a:latin typeface="Calibri" panose="020F0502020204030204"/>
-              <a:ea typeface="+mn-ea"/>
-              <a:cs typeface="+mn-cs"/>
-            </a:endParaRPr>
-          </a:p>
-        </p:txBody>
-      </p:sp>
-      <p:pic>
-        <p:nvPicPr>
-          <p:cNvPr id="23" name="Рисунок 22">
-            <a:extLst>
-              <a:ext uri="{FF2B5EF4-FFF2-40B4-BE49-F238E27FC236}">
-                <a16:creationId xmlns:a16="http://schemas.microsoft.com/office/drawing/2014/main" id="{B6CC3998-6354-47B0-8CFE-1EEA9ABDBC90}"/>
-              </a:ext>
-            </a:extLst>
-          </p:cNvPr>
-          <p:cNvPicPr>
-            <a:picLocks noChangeAspect="1"/>
-          </p:cNvPicPr>
-          <p:nvPr/>
-        </p:nvPicPr>
-        <p:blipFill>
-          <a:blip r:embed="rId7"/>
-          <a:stretch>
-            <a:fillRect/>
-          </a:stretch>
-        </p:blipFill>
-        <p:spPr>
-          <a:xfrm>
-            <a:off x="2083801" y="2881124"/>
-            <a:ext cx="982935" cy="1209670"/>
-          </a:xfrm>
-          <a:prstGeom prst="rect">
-            <a:avLst/>
-          </a:prstGeom>
-        </p:spPr>
-      </p:pic>
-      <p:pic>
-        <p:nvPicPr>
-          <p:cNvPr id="20" name="Рисунок 19">
-            <a:extLst>
-              <a:ext uri="{FF2B5EF4-FFF2-40B4-BE49-F238E27FC236}">
-                <a16:creationId xmlns:a16="http://schemas.microsoft.com/office/drawing/2014/main" id="{1C467594-7062-4BF0-A4D0-6E3E679DBBBF}"/>
-              </a:ext>
-            </a:extLst>
-          </p:cNvPr>
-          <p:cNvPicPr>
-            <a:picLocks noChangeAspect="1"/>
-          </p:cNvPicPr>
-          <p:nvPr/>
-        </p:nvPicPr>
-        <p:blipFill>
-          <a:blip r:embed="rId8"/>
-          <a:stretch>
-            <a:fillRect/>
-          </a:stretch>
-        </p:blipFill>
-        <p:spPr>
-          <a:xfrm>
-            <a:off x="0" y="5253513"/>
-            <a:ext cx="1654024" cy="1181446"/>
-          </a:xfrm>
-          <a:prstGeom prst="rect">
-            <a:avLst/>
-          </a:prstGeom>
-        </p:spPr>
-      </p:pic>
-      <p:cxnSp>
-        <p:nvCxnSpPr>
-          <p:cNvPr id="35" name="Прямая соединительная линия 34">
-            <a:extLst>
-              <a:ext uri="{FF2B5EF4-FFF2-40B4-BE49-F238E27FC236}">
-                <a16:creationId xmlns:a16="http://schemas.microsoft.com/office/drawing/2014/main" id="{6FEAB35C-12D1-4039-9C7C-8F8FF1B19FA6}"/>
-              </a:ext>
-            </a:extLst>
-          </p:cNvPr>
-          <p:cNvCxnSpPr>
-            <a:cxnSpLocks/>
-          </p:cNvCxnSpPr>
-          <p:nvPr/>
-        </p:nvCxnSpPr>
-        <p:spPr>
-          <a:xfrm>
-            <a:off x="6398349" y="264814"/>
-            <a:ext cx="0" cy="6328372"/>
-          </a:xfrm>
-          <a:prstGeom prst="line">
-            <a:avLst/>
-          </a:prstGeom>
-          <a:ln w="120650" cmpd="sng">
-            <a:solidFill>
-              <a:srgbClr val="657383"/>
-            </a:solidFill>
-          </a:ln>
-        </p:spPr>
-        <p:style>
-          <a:lnRef idx="1">
-            <a:schemeClr val="accent1"/>
-          </a:lnRef>
-          <a:fillRef idx="0">
-            <a:schemeClr val="accent1"/>
-          </a:fillRef>
-          <a:effectRef idx="0">
-            <a:schemeClr val="accent1"/>
-          </a:effectRef>
-          <a:fontRef idx="minor">
-            <a:schemeClr val="tx1"/>
-          </a:fontRef>
-        </p:style>
-      </p:cxnSp>
-      <p:cxnSp>
-        <p:nvCxnSpPr>
           <p:cNvPr id="44" name="Прямая соединительная линия 43">
             <a:extLst>
               <a:ext uri="{FF2B5EF4-FFF2-40B4-BE49-F238E27FC236}">
@@ -8983,7 +8210,7 @@
 </p:sld>
 </file>
 
-<file path=ppt/slides/slide16.xml><?xml version="1.0" encoding="utf-8"?>
+<file path=ppt/slides/slide15.xml><?xml version="1.0" encoding="utf-8"?>
 <p:sld xmlns:a="http://schemas.openxmlformats.org/drawingml/2006/main" xmlns:r="http://schemas.openxmlformats.org/officeDocument/2006/relationships" xmlns:p="http://schemas.openxmlformats.org/presentationml/2006/main">
   <p:cSld>
     <p:bg>
@@ -9616,7 +8843,7 @@
 </p:sld>
 </file>
 
-<file path=ppt/slides/slide17.xml><?xml version="1.0" encoding="utf-8"?>
+<file path=ppt/slides/slide16.xml><?xml version="1.0" encoding="utf-8"?>
 <p:sld xmlns:a="http://schemas.openxmlformats.org/drawingml/2006/main" xmlns:r="http://schemas.openxmlformats.org/officeDocument/2006/relationships" xmlns:p="http://schemas.openxmlformats.org/presentationml/2006/main">
   <p:cSld>
     <p:bg>
@@ -10430,7 +9657,7 @@
 </p:sld>
 </file>
 
-<file path=ppt/slides/slide18.xml><?xml version="1.0" encoding="utf-8"?>
+<file path=ppt/slides/slide17.xml><?xml version="1.0" encoding="utf-8"?>
 <p:sld xmlns:a="http://schemas.openxmlformats.org/drawingml/2006/main" xmlns:r="http://schemas.openxmlformats.org/officeDocument/2006/relationships" xmlns:p="http://schemas.openxmlformats.org/presentationml/2006/main">
   <p:cSld>
     <p:bg>
@@ -11169,7 +10396,7 @@
 </p:sld>
 </file>
 
-<file path=ppt/slides/slide19.xml><?xml version="1.0" encoding="utf-8"?>
+<file path=ppt/slides/slide18.xml><?xml version="1.0" encoding="utf-8"?>
 <p:sld xmlns:a="http://schemas.openxmlformats.org/drawingml/2006/main" xmlns:r="http://schemas.openxmlformats.org/officeDocument/2006/relationships" xmlns:p="http://schemas.openxmlformats.org/presentationml/2006/main">
   <p:cSld>
     <p:bg>
@@ -11680,6 +10907,713 @@
     <p:extLst>
       <p:ext uri="{BB962C8B-B14F-4D97-AF65-F5344CB8AC3E}">
         <p14:creationId xmlns:p14="http://schemas.microsoft.com/office/powerpoint/2010/main" val="4164074260"/>
+      </p:ext>
+    </p:extLst>
+  </p:cSld>
+  <p:clrMapOvr>
+    <a:masterClrMapping/>
+  </p:clrMapOvr>
+</p:sld>
+</file>
+
+<file path=ppt/slides/slide19.xml><?xml version="1.0" encoding="utf-8"?>
+<p:sld xmlns:a="http://schemas.openxmlformats.org/drawingml/2006/main" xmlns:r="http://schemas.openxmlformats.org/officeDocument/2006/relationships" xmlns:p="http://schemas.openxmlformats.org/presentationml/2006/main">
+  <p:cSld>
+    <p:bg>
+      <p:bgPr>
+        <a:solidFill>
+          <a:schemeClr val="bg1"/>
+        </a:solidFill>
+        <a:effectLst/>
+      </p:bgPr>
+    </p:bg>
+    <p:spTree>
+      <p:nvGrpSpPr>
+        <p:cNvPr id="1" name=""/>
+        <p:cNvGrpSpPr/>
+        <p:nvPr/>
+      </p:nvGrpSpPr>
+      <p:grpSpPr>
+        <a:xfrm>
+          <a:off x="0" y="0"/>
+          <a:ext cx="0" cy="0"/>
+          <a:chOff x="0" y="0"/>
+          <a:chExt cx="0" cy="0"/>
+        </a:xfrm>
+      </p:grpSpPr>
+      <p:pic>
+        <p:nvPicPr>
+          <p:cNvPr id="12" name="Рисунок 11">
+            <a:extLst>
+              <a:ext uri="{FF2B5EF4-FFF2-40B4-BE49-F238E27FC236}">
+                <a16:creationId xmlns:a16="http://schemas.microsoft.com/office/drawing/2014/main" id="{DE009B6A-1EBB-4AD8-B638-8BBCBEC0CA97}"/>
+              </a:ext>
+            </a:extLst>
+          </p:cNvPr>
+          <p:cNvPicPr>
+            <a:picLocks noChangeAspect="1"/>
+          </p:cNvPicPr>
+          <p:nvPr/>
+        </p:nvPicPr>
+        <p:blipFill>
+          <a:blip r:embed="rId2"/>
+          <a:stretch>
+            <a:fillRect/>
+          </a:stretch>
+        </p:blipFill>
+        <p:spPr>
+          <a:xfrm>
+            <a:off x="55823" y="57407"/>
+            <a:ext cx="2877499" cy="1318258"/>
+          </a:xfrm>
+          <a:prstGeom prst="rect">
+            <a:avLst/>
+          </a:prstGeom>
+        </p:spPr>
+      </p:pic>
+      <p:pic>
+        <p:nvPicPr>
+          <p:cNvPr id="16" name="Рисунок 15">
+            <a:extLst>
+              <a:ext uri="{FF2B5EF4-FFF2-40B4-BE49-F238E27FC236}">
+                <a16:creationId xmlns:a16="http://schemas.microsoft.com/office/drawing/2014/main" id="{001EEE8D-1ABC-4A40-A959-41829B203CDF}"/>
+              </a:ext>
+            </a:extLst>
+          </p:cNvPr>
+          <p:cNvPicPr>
+            <a:picLocks noChangeAspect="1"/>
+          </p:cNvPicPr>
+          <p:nvPr/>
+        </p:nvPicPr>
+        <p:blipFill>
+          <a:blip r:embed="rId3"/>
+          <a:stretch>
+            <a:fillRect/>
+          </a:stretch>
+        </p:blipFill>
+        <p:spPr>
+          <a:xfrm>
+            <a:off x="11049679" y="2347186"/>
+            <a:ext cx="1051420" cy="2270669"/>
+          </a:xfrm>
+          <a:prstGeom prst="rect">
+            <a:avLst/>
+          </a:prstGeom>
+        </p:spPr>
+      </p:pic>
+      <p:pic>
+        <p:nvPicPr>
+          <p:cNvPr id="18" name="Рисунок 17">
+            <a:extLst>
+              <a:ext uri="{FF2B5EF4-FFF2-40B4-BE49-F238E27FC236}">
+                <a16:creationId xmlns:a16="http://schemas.microsoft.com/office/drawing/2014/main" id="{567D900F-FC6D-4842-A14F-DF95DC198CCB}"/>
+              </a:ext>
+            </a:extLst>
+          </p:cNvPr>
+          <p:cNvPicPr>
+            <a:picLocks noChangeAspect="1"/>
+          </p:cNvPicPr>
+          <p:nvPr/>
+        </p:nvPicPr>
+        <p:blipFill>
+          <a:blip r:embed="rId4"/>
+          <a:stretch>
+            <a:fillRect/>
+          </a:stretch>
+        </p:blipFill>
+        <p:spPr>
+          <a:xfrm>
+            <a:off x="17108" y="2763629"/>
+            <a:ext cx="1654023" cy="1670646"/>
+          </a:xfrm>
+          <a:prstGeom prst="rect">
+            <a:avLst/>
+          </a:prstGeom>
+        </p:spPr>
+      </p:pic>
+      <p:pic>
+        <p:nvPicPr>
+          <p:cNvPr id="22" name="Рисунок 21">
+            <a:extLst>
+              <a:ext uri="{FF2B5EF4-FFF2-40B4-BE49-F238E27FC236}">
+                <a16:creationId xmlns:a16="http://schemas.microsoft.com/office/drawing/2014/main" id="{D8D148AE-691D-4316-A69A-C3C8DBC38F5F}"/>
+              </a:ext>
+            </a:extLst>
+          </p:cNvPr>
+          <p:cNvPicPr>
+            <a:picLocks noChangeAspect="1"/>
+          </p:cNvPicPr>
+          <p:nvPr/>
+        </p:nvPicPr>
+        <p:blipFill>
+          <a:blip r:embed="rId5"/>
+          <a:stretch>
+            <a:fillRect/>
+          </a:stretch>
+        </p:blipFill>
+        <p:spPr>
+          <a:xfrm>
+            <a:off x="3638519" y="5019969"/>
+            <a:ext cx="614158" cy="1648534"/>
+          </a:xfrm>
+          <a:prstGeom prst="rect">
+            <a:avLst/>
+          </a:prstGeom>
+        </p:spPr>
+      </p:pic>
+      <p:sp>
+        <p:nvSpPr>
+          <p:cNvPr id="3" name="Стрелка: вниз 2">
+            <a:extLst>
+              <a:ext uri="{FF2B5EF4-FFF2-40B4-BE49-F238E27FC236}">
+                <a16:creationId xmlns:a16="http://schemas.microsoft.com/office/drawing/2014/main" id="{3E49A272-BA35-4B1E-9B7B-639619D689B9}"/>
+              </a:ext>
+            </a:extLst>
+          </p:cNvPr>
+          <p:cNvSpPr/>
+          <p:nvPr/>
+        </p:nvSpPr>
+        <p:spPr>
+          <a:xfrm rot="10800000">
+            <a:off x="11417701" y="1166172"/>
+            <a:ext cx="315376" cy="1104560"/>
+          </a:xfrm>
+          <a:prstGeom prst="downArrow">
+            <a:avLst/>
+          </a:prstGeom>
+          <a:solidFill>
+            <a:srgbClr val="657383"/>
+          </a:solidFill>
+        </p:spPr>
+        <p:style>
+          <a:lnRef idx="2">
+            <a:schemeClr val="accent1">
+              <a:shade val="50000"/>
+            </a:schemeClr>
+          </a:lnRef>
+          <a:fillRef idx="1">
+            <a:schemeClr val="accent1"/>
+          </a:fillRef>
+          <a:effectRef idx="0">
+            <a:schemeClr val="accent1"/>
+          </a:effectRef>
+          <a:fontRef idx="minor">
+            <a:schemeClr val="lt1"/>
+          </a:fontRef>
+        </p:style>
+        <p:txBody>
+          <a:bodyPr rtlCol="0" anchor="ctr"/>
+          <a:lstStyle/>
+          <a:p>
+            <a:pPr marL="0" marR="0" lvl="0" indent="0" algn="ctr" defTabSz="457200" rtl="0" eaLnBrk="1" fontAlgn="auto" latinLnBrk="0" hangingPunct="1">
+              <a:lnSpc>
+                <a:spcPct val="100000"/>
+              </a:lnSpc>
+              <a:spcBef>
+                <a:spcPts val="0"/>
+              </a:spcBef>
+              <a:spcAft>
+                <a:spcPts val="0"/>
+              </a:spcAft>
+              <a:buClrTx/>
+              <a:buSzTx/>
+              <a:buFontTx/>
+              <a:buNone/>
+              <a:tabLst/>
+              <a:defRPr/>
+            </a:pPr>
+            <a:endParaRPr kumimoji="0" lang="ru-RU" sz="1117" b="0" i="0" u="none" strike="noStrike" kern="1200" cap="none" spc="0" normalizeH="0" baseline="0" noProof="0">
+              <a:ln>
+                <a:noFill/>
+              </a:ln>
+              <a:solidFill>
+                <a:prstClr val="white"/>
+              </a:solidFill>
+              <a:effectLst/>
+              <a:uLnTx/>
+              <a:uFillTx/>
+              <a:latin typeface="Calibri" panose="020F0502020204030204"/>
+              <a:ea typeface="+mn-ea"/>
+              <a:cs typeface="+mn-cs"/>
+            </a:endParaRPr>
+          </a:p>
+        </p:txBody>
+      </p:sp>
+      <p:pic>
+        <p:nvPicPr>
+          <p:cNvPr id="23" name="Рисунок 22">
+            <a:extLst>
+              <a:ext uri="{FF2B5EF4-FFF2-40B4-BE49-F238E27FC236}">
+                <a16:creationId xmlns:a16="http://schemas.microsoft.com/office/drawing/2014/main" id="{B6CC3998-6354-47B0-8CFE-1EEA9ABDBC90}"/>
+              </a:ext>
+            </a:extLst>
+          </p:cNvPr>
+          <p:cNvPicPr>
+            <a:picLocks noChangeAspect="1"/>
+          </p:cNvPicPr>
+          <p:nvPr/>
+        </p:nvPicPr>
+        <p:blipFill>
+          <a:blip r:embed="rId6"/>
+          <a:stretch>
+            <a:fillRect/>
+          </a:stretch>
+        </p:blipFill>
+        <p:spPr>
+          <a:xfrm>
+            <a:off x="2083801" y="2881124"/>
+            <a:ext cx="982935" cy="1209670"/>
+          </a:xfrm>
+          <a:prstGeom prst="rect">
+            <a:avLst/>
+          </a:prstGeom>
+        </p:spPr>
+      </p:pic>
+      <p:pic>
+        <p:nvPicPr>
+          <p:cNvPr id="20" name="Рисунок 19">
+            <a:extLst>
+              <a:ext uri="{FF2B5EF4-FFF2-40B4-BE49-F238E27FC236}">
+                <a16:creationId xmlns:a16="http://schemas.microsoft.com/office/drawing/2014/main" id="{1C467594-7062-4BF0-A4D0-6E3E679DBBBF}"/>
+              </a:ext>
+            </a:extLst>
+          </p:cNvPr>
+          <p:cNvPicPr>
+            <a:picLocks noChangeAspect="1"/>
+          </p:cNvPicPr>
+          <p:nvPr/>
+        </p:nvPicPr>
+        <p:blipFill>
+          <a:blip r:embed="rId7"/>
+          <a:stretch>
+            <a:fillRect/>
+          </a:stretch>
+        </p:blipFill>
+        <p:spPr>
+          <a:xfrm>
+            <a:off x="0" y="5253513"/>
+            <a:ext cx="1654024" cy="1181446"/>
+          </a:xfrm>
+          <a:prstGeom prst="rect">
+            <a:avLst/>
+          </a:prstGeom>
+        </p:spPr>
+      </p:pic>
+      <p:cxnSp>
+        <p:nvCxnSpPr>
+          <p:cNvPr id="35" name="Прямая соединительная линия 34">
+            <a:extLst>
+              <a:ext uri="{FF2B5EF4-FFF2-40B4-BE49-F238E27FC236}">
+                <a16:creationId xmlns:a16="http://schemas.microsoft.com/office/drawing/2014/main" id="{6FEAB35C-12D1-4039-9C7C-8F8FF1B19FA6}"/>
+              </a:ext>
+            </a:extLst>
+          </p:cNvPr>
+          <p:cNvCxnSpPr>
+            <a:cxnSpLocks/>
+          </p:cNvCxnSpPr>
+          <p:nvPr/>
+        </p:nvCxnSpPr>
+        <p:spPr>
+          <a:xfrm>
+            <a:off x="6398349" y="264814"/>
+            <a:ext cx="0" cy="6328372"/>
+          </a:xfrm>
+          <a:prstGeom prst="line">
+            <a:avLst/>
+          </a:prstGeom>
+          <a:ln w="120650" cmpd="sng">
+            <a:solidFill>
+              <a:srgbClr val="657383"/>
+            </a:solidFill>
+          </a:ln>
+        </p:spPr>
+        <p:style>
+          <a:lnRef idx="1">
+            <a:schemeClr val="accent1"/>
+          </a:lnRef>
+          <a:fillRef idx="0">
+            <a:schemeClr val="accent1"/>
+          </a:fillRef>
+          <a:effectRef idx="0">
+            <a:schemeClr val="accent1"/>
+          </a:effectRef>
+          <a:fontRef idx="minor">
+            <a:schemeClr val="tx1"/>
+          </a:fontRef>
+        </p:style>
+      </p:cxnSp>
+      <p:cxnSp>
+        <p:nvCxnSpPr>
+          <p:cNvPr id="41" name="Прямая соединительная линия 40">
+            <a:extLst>
+              <a:ext uri="{FF2B5EF4-FFF2-40B4-BE49-F238E27FC236}">
+                <a16:creationId xmlns:a16="http://schemas.microsoft.com/office/drawing/2014/main" id="{6040CC6E-1E40-4425-B9DF-A9CF82E6515E}"/>
+              </a:ext>
+            </a:extLst>
+          </p:cNvPr>
+          <p:cNvCxnSpPr>
+            <a:cxnSpLocks/>
+          </p:cNvCxnSpPr>
+          <p:nvPr/>
+        </p:nvCxnSpPr>
+        <p:spPr>
+          <a:xfrm flipV="1">
+            <a:off x="2688879" y="1246240"/>
+            <a:ext cx="3709470" cy="26707"/>
+          </a:xfrm>
+          <a:prstGeom prst="line">
+            <a:avLst/>
+          </a:prstGeom>
+          <a:ln w="50800" cmpd="sng">
+            <a:solidFill>
+              <a:srgbClr val="657383"/>
+            </a:solidFill>
+          </a:ln>
+        </p:spPr>
+        <p:style>
+          <a:lnRef idx="1">
+            <a:schemeClr val="accent1"/>
+          </a:lnRef>
+          <a:fillRef idx="0">
+            <a:schemeClr val="accent1"/>
+          </a:fillRef>
+          <a:effectRef idx="0">
+            <a:schemeClr val="accent1"/>
+          </a:effectRef>
+          <a:fontRef idx="minor">
+            <a:schemeClr val="tx1"/>
+          </a:fontRef>
+        </p:style>
+      </p:cxnSp>
+      <p:cxnSp>
+        <p:nvCxnSpPr>
+          <p:cNvPr id="44" name="Прямая соединительная линия 43">
+            <a:extLst>
+              <a:ext uri="{FF2B5EF4-FFF2-40B4-BE49-F238E27FC236}">
+                <a16:creationId xmlns:a16="http://schemas.microsoft.com/office/drawing/2014/main" id="{6040CC6E-1E40-4425-B9DF-A9CF82E6515E}"/>
+              </a:ext>
+            </a:extLst>
+          </p:cNvPr>
+          <p:cNvCxnSpPr>
+            <a:cxnSpLocks/>
+          </p:cNvCxnSpPr>
+          <p:nvPr/>
+        </p:nvCxnSpPr>
+        <p:spPr>
+          <a:xfrm>
+            <a:off x="1558313" y="3509230"/>
+            <a:ext cx="742384" cy="0"/>
+          </a:xfrm>
+          <a:prstGeom prst="line">
+            <a:avLst/>
+          </a:prstGeom>
+          <a:ln w="50800" cmpd="sng">
+            <a:solidFill>
+              <a:srgbClr val="657383"/>
+            </a:solidFill>
+          </a:ln>
+        </p:spPr>
+        <p:style>
+          <a:lnRef idx="1">
+            <a:schemeClr val="accent1"/>
+          </a:lnRef>
+          <a:fillRef idx="0">
+            <a:schemeClr val="accent1"/>
+          </a:fillRef>
+          <a:effectRef idx="0">
+            <a:schemeClr val="accent1"/>
+          </a:effectRef>
+          <a:fontRef idx="minor">
+            <a:schemeClr val="tx1"/>
+          </a:fontRef>
+        </p:style>
+      </p:cxnSp>
+      <p:cxnSp>
+        <p:nvCxnSpPr>
+          <p:cNvPr id="48" name="Прямая соединительная линия 47">
+            <a:extLst>
+              <a:ext uri="{FF2B5EF4-FFF2-40B4-BE49-F238E27FC236}">
+                <a16:creationId xmlns:a16="http://schemas.microsoft.com/office/drawing/2014/main" id="{6040CC6E-1E40-4425-B9DF-A9CF82E6515E}"/>
+              </a:ext>
+            </a:extLst>
+          </p:cNvPr>
+          <p:cNvCxnSpPr>
+            <a:cxnSpLocks/>
+          </p:cNvCxnSpPr>
+          <p:nvPr/>
+        </p:nvCxnSpPr>
+        <p:spPr>
+          <a:xfrm flipV="1">
+            <a:off x="2784887" y="3482521"/>
+            <a:ext cx="3613462" cy="26708"/>
+          </a:xfrm>
+          <a:prstGeom prst="line">
+            <a:avLst/>
+          </a:prstGeom>
+          <a:ln w="50800" cmpd="sng">
+            <a:solidFill>
+              <a:srgbClr val="657383"/>
+            </a:solidFill>
+          </a:ln>
+        </p:spPr>
+        <p:style>
+          <a:lnRef idx="1">
+            <a:schemeClr val="accent1"/>
+          </a:lnRef>
+          <a:fillRef idx="0">
+            <a:schemeClr val="accent1"/>
+          </a:fillRef>
+          <a:effectRef idx="0">
+            <a:schemeClr val="accent1"/>
+          </a:effectRef>
+          <a:fontRef idx="minor">
+            <a:schemeClr val="tx1"/>
+          </a:fontRef>
+        </p:style>
+      </p:cxnSp>
+      <p:cxnSp>
+        <p:nvCxnSpPr>
+          <p:cNvPr id="51" name="Прямая соединительная линия 50">
+            <a:extLst>
+              <a:ext uri="{FF2B5EF4-FFF2-40B4-BE49-F238E27FC236}">
+                <a16:creationId xmlns:a16="http://schemas.microsoft.com/office/drawing/2014/main" id="{6040CC6E-1E40-4425-B9DF-A9CF82E6515E}"/>
+              </a:ext>
+            </a:extLst>
+          </p:cNvPr>
+          <p:cNvCxnSpPr>
+            <a:cxnSpLocks/>
+          </p:cNvCxnSpPr>
+          <p:nvPr/>
+        </p:nvCxnSpPr>
+        <p:spPr>
+          <a:xfrm>
+            <a:off x="1502875" y="5973294"/>
+            <a:ext cx="2145672" cy="0"/>
+          </a:xfrm>
+          <a:prstGeom prst="line">
+            <a:avLst/>
+          </a:prstGeom>
+          <a:ln w="50800" cmpd="sng">
+            <a:solidFill>
+              <a:srgbClr val="657383"/>
+            </a:solidFill>
+          </a:ln>
+        </p:spPr>
+        <p:style>
+          <a:lnRef idx="1">
+            <a:schemeClr val="accent1"/>
+          </a:lnRef>
+          <a:fillRef idx="0">
+            <a:schemeClr val="accent1"/>
+          </a:fillRef>
+          <a:effectRef idx="0">
+            <a:schemeClr val="accent1"/>
+          </a:effectRef>
+          <a:fontRef idx="minor">
+            <a:schemeClr val="tx1"/>
+          </a:fontRef>
+        </p:style>
+      </p:cxnSp>
+      <p:cxnSp>
+        <p:nvCxnSpPr>
+          <p:cNvPr id="69" name="Прямая соединительная линия 68">
+            <a:extLst>
+              <a:ext uri="{FF2B5EF4-FFF2-40B4-BE49-F238E27FC236}">
+                <a16:creationId xmlns:a16="http://schemas.microsoft.com/office/drawing/2014/main" id="{6040CC6E-1E40-4425-B9DF-A9CF82E6515E}"/>
+              </a:ext>
+            </a:extLst>
+          </p:cNvPr>
+          <p:cNvCxnSpPr>
+            <a:cxnSpLocks/>
+            <a:endCxn id="107" idx="1"/>
+          </p:cNvCxnSpPr>
+          <p:nvPr/>
+        </p:nvCxnSpPr>
+        <p:spPr>
+          <a:xfrm flipV="1">
+            <a:off x="6398349" y="3489198"/>
+            <a:ext cx="2142931" cy="6678"/>
+          </a:xfrm>
+          <a:prstGeom prst="line">
+            <a:avLst/>
+          </a:prstGeom>
+          <a:ln w="50800" cmpd="sng">
+            <a:solidFill>
+              <a:srgbClr val="657383"/>
+            </a:solidFill>
+          </a:ln>
+        </p:spPr>
+        <p:style>
+          <a:lnRef idx="1">
+            <a:schemeClr val="accent1"/>
+          </a:lnRef>
+          <a:fillRef idx="0">
+            <a:schemeClr val="accent1"/>
+          </a:fillRef>
+          <a:effectRef idx="0">
+            <a:schemeClr val="accent1"/>
+          </a:effectRef>
+          <a:fontRef idx="minor">
+            <a:schemeClr val="tx1"/>
+          </a:fontRef>
+        </p:style>
+      </p:cxnSp>
+      <p:cxnSp>
+        <p:nvCxnSpPr>
+          <p:cNvPr id="73" name="Прямая соединительная линия 72">
+            <a:extLst>
+              <a:ext uri="{FF2B5EF4-FFF2-40B4-BE49-F238E27FC236}">
+                <a16:creationId xmlns:a16="http://schemas.microsoft.com/office/drawing/2014/main" id="{6040CC6E-1E40-4425-B9DF-A9CF82E6515E}"/>
+              </a:ext>
+            </a:extLst>
+          </p:cNvPr>
+          <p:cNvCxnSpPr>
+            <a:cxnSpLocks/>
+            <a:endCxn id="16" idx="1"/>
+          </p:cNvCxnSpPr>
+          <p:nvPr/>
+        </p:nvCxnSpPr>
+        <p:spPr>
+          <a:xfrm>
+            <a:off x="9112395" y="3482521"/>
+            <a:ext cx="1937284" cy="0"/>
+          </a:xfrm>
+          <a:prstGeom prst="line">
+            <a:avLst/>
+          </a:prstGeom>
+          <a:ln w="50800" cmpd="sng">
+            <a:solidFill>
+              <a:srgbClr val="657383"/>
+            </a:solidFill>
+          </a:ln>
+        </p:spPr>
+        <p:style>
+          <a:lnRef idx="1">
+            <a:schemeClr val="accent1"/>
+          </a:lnRef>
+          <a:fillRef idx="0">
+            <a:schemeClr val="accent1"/>
+          </a:fillRef>
+          <a:effectRef idx="0">
+            <a:schemeClr val="accent1"/>
+          </a:effectRef>
+          <a:fontRef idx="minor">
+            <a:schemeClr val="tx1"/>
+          </a:fontRef>
+        </p:style>
+      </p:cxnSp>
+      <p:cxnSp>
+        <p:nvCxnSpPr>
+          <p:cNvPr id="97" name="Прямая соединительная линия 96">
+            <a:extLst>
+              <a:ext uri="{FF2B5EF4-FFF2-40B4-BE49-F238E27FC236}">
+                <a16:creationId xmlns:a16="http://schemas.microsoft.com/office/drawing/2014/main" id="{E6C4A853-12D3-45D9-896B-356054897F02}"/>
+              </a:ext>
+            </a:extLst>
+          </p:cNvPr>
+          <p:cNvCxnSpPr>
+            <a:cxnSpLocks/>
+          </p:cNvCxnSpPr>
+          <p:nvPr/>
+        </p:nvCxnSpPr>
+        <p:spPr>
+          <a:xfrm>
+            <a:off x="4252677" y="5973294"/>
+            <a:ext cx="2145672" cy="0"/>
+          </a:xfrm>
+          <a:prstGeom prst="line">
+            <a:avLst/>
+          </a:prstGeom>
+          <a:ln w="50800" cmpd="sng">
+            <a:solidFill>
+              <a:srgbClr val="657383"/>
+            </a:solidFill>
+          </a:ln>
+        </p:spPr>
+        <p:style>
+          <a:lnRef idx="1">
+            <a:schemeClr val="accent1"/>
+          </a:lnRef>
+          <a:fillRef idx="0">
+            <a:schemeClr val="accent1"/>
+          </a:fillRef>
+          <a:effectRef idx="0">
+            <a:schemeClr val="accent1"/>
+          </a:effectRef>
+          <a:fontRef idx="minor">
+            <a:schemeClr val="tx1"/>
+          </a:fontRef>
+        </p:style>
+      </p:cxnSp>
+      <p:pic>
+        <p:nvPicPr>
+          <p:cNvPr id="107" name="Рисунок 106">
+            <a:extLst>
+              <a:ext uri="{FF2B5EF4-FFF2-40B4-BE49-F238E27FC236}">
+                <a16:creationId xmlns:a16="http://schemas.microsoft.com/office/drawing/2014/main" id="{F5D1A1D3-57AD-4D4A-B216-C3721025A941}"/>
+              </a:ext>
+            </a:extLst>
+          </p:cNvPr>
+          <p:cNvPicPr>
+            <a:picLocks noChangeAspect="1"/>
+          </p:cNvPicPr>
+          <p:nvPr/>
+        </p:nvPicPr>
+        <p:blipFill>
+          <a:blip r:embed="rId8"/>
+          <a:stretch>
+            <a:fillRect/>
+          </a:stretch>
+        </p:blipFill>
+        <p:spPr>
+          <a:xfrm>
+            <a:off x="8541280" y="2650307"/>
+            <a:ext cx="645633" cy="1677782"/>
+          </a:xfrm>
+          <a:prstGeom prst="rect">
+            <a:avLst/>
+          </a:prstGeom>
+        </p:spPr>
+      </p:pic>
+      <p:sp>
+        <p:nvSpPr>
+          <p:cNvPr id="2" name="TextBox 1">
+            <a:extLst>
+              <a:ext uri="{FF2B5EF4-FFF2-40B4-BE49-F238E27FC236}">
+                <a16:creationId xmlns:a16="http://schemas.microsoft.com/office/drawing/2014/main" id="{A635C442-C233-4711-BDA0-D6CE79D4EE6C}"/>
+              </a:ext>
+            </a:extLst>
+          </p:cNvPr>
+          <p:cNvSpPr txBox="1"/>
+          <p:nvPr/>
+        </p:nvSpPr>
+        <p:spPr>
+          <a:xfrm>
+            <a:off x="7867462" y="5973294"/>
+            <a:ext cx="1557196" cy="382239"/>
+          </a:xfrm>
+          <a:prstGeom prst="rect">
+            <a:avLst/>
+          </a:prstGeom>
+          <a:noFill/>
+        </p:spPr>
+        <p:txBody>
+          <a:bodyPr wrap="square" rtlCol="0">
+            <a:spAutoFit/>
+          </a:bodyPr>
+          <a:lstStyle/>
+          <a:p>
+            <a:r>
+              <a:rPr lang="ru-RU" dirty="0"/>
+              <a:t>Не определен</a:t>
+            </a:r>
+          </a:p>
+        </p:txBody>
+      </p:sp>
+    </p:spTree>
+    <p:extLst>
+      <p:ext uri="{BB962C8B-B14F-4D97-AF65-F5344CB8AC3E}">
+        <p14:creationId xmlns:p14="http://schemas.microsoft.com/office/powerpoint/2010/main" val="1064561403"/>
       </p:ext>
     </p:extLst>
   </p:cSld>
@@ -12692,6 +12626,36 @@
           </a:prstGeom>
         </p:spPr>
       </p:pic>
+      <p:pic>
+        <p:nvPicPr>
+          <p:cNvPr id="34" name="Рисунок 33">
+            <a:extLst>
+              <a:ext uri="{FF2B5EF4-FFF2-40B4-BE49-F238E27FC236}">
+                <a16:creationId xmlns:a16="http://schemas.microsoft.com/office/drawing/2014/main" id="{2069F1AD-93BB-429F-AFBB-C0944FFAC417}"/>
+              </a:ext>
+            </a:extLst>
+          </p:cNvPr>
+          <p:cNvPicPr>
+            <a:picLocks noChangeAspect="1"/>
+          </p:cNvPicPr>
+          <p:nvPr/>
+        </p:nvPicPr>
+        <p:blipFill>
+          <a:blip r:embed="rId6"/>
+          <a:stretch>
+            <a:fillRect/>
+          </a:stretch>
+        </p:blipFill>
+        <p:spPr>
+          <a:xfrm rot="10800000">
+            <a:off x="9620124" y="3649290"/>
+            <a:ext cx="1051421" cy="268009"/>
+          </a:xfrm>
+          <a:prstGeom prst="rect">
+            <a:avLst/>
+          </a:prstGeom>
+        </p:spPr>
+      </p:pic>
       <p:sp>
         <p:nvSpPr>
           <p:cNvPr id="3" name="Стрелка: вниз 2">
@@ -12785,7 +12749,7 @@
           <p:nvPr/>
         </p:nvPicPr>
         <p:blipFill>
-          <a:blip r:embed="rId6"/>
+          <a:blip r:embed="rId7"/>
           <a:stretch>
             <a:fillRect/>
           </a:stretch>
@@ -12815,7 +12779,7 @@
           <p:nvPr/>
         </p:nvPicPr>
         <p:blipFill>
-          <a:blip r:embed="rId7"/>
+          <a:blip r:embed="rId8"/>
           <a:stretch>
             <a:fillRect/>
           </a:stretch>
@@ -12853,49 +12817,6 @@
             <a:avLst/>
           </a:prstGeom>
           <a:ln w="120650" cmpd="sng">
-            <a:solidFill>
-              <a:srgbClr val="657383"/>
-            </a:solidFill>
-          </a:ln>
-        </p:spPr>
-        <p:style>
-          <a:lnRef idx="1">
-            <a:schemeClr val="accent1"/>
-          </a:lnRef>
-          <a:fillRef idx="0">
-            <a:schemeClr val="accent1"/>
-          </a:fillRef>
-          <a:effectRef idx="0">
-            <a:schemeClr val="accent1"/>
-          </a:effectRef>
-          <a:fontRef idx="minor">
-            <a:schemeClr val="tx1"/>
-          </a:fontRef>
-        </p:style>
-      </p:cxnSp>
-      <p:cxnSp>
-        <p:nvCxnSpPr>
-          <p:cNvPr id="41" name="Прямая соединительная линия 40">
-            <a:extLst>
-              <a:ext uri="{FF2B5EF4-FFF2-40B4-BE49-F238E27FC236}">
-                <a16:creationId xmlns:a16="http://schemas.microsoft.com/office/drawing/2014/main" id="{6040CC6E-1E40-4425-B9DF-A9CF82E6515E}"/>
-              </a:ext>
-            </a:extLst>
-          </p:cNvPr>
-          <p:cNvCxnSpPr>
-            <a:cxnSpLocks/>
-          </p:cNvCxnSpPr>
-          <p:nvPr/>
-        </p:nvCxnSpPr>
-        <p:spPr>
-          <a:xfrm flipV="1">
-            <a:off x="2688879" y="1246240"/>
-            <a:ext cx="3709470" cy="26707"/>
-          </a:xfrm>
-          <a:prstGeom prst="line">
-            <a:avLst/>
-          </a:prstGeom>
-          <a:ln w="50800" cmpd="sng">
             <a:solidFill>
               <a:srgbClr val="657383"/>
             </a:solidFill>
@@ -12961,92 +12882,6 @@
       </p:cxnSp>
       <p:cxnSp>
         <p:nvCxnSpPr>
-          <p:cNvPr id="48" name="Прямая соединительная линия 47">
-            <a:extLst>
-              <a:ext uri="{FF2B5EF4-FFF2-40B4-BE49-F238E27FC236}">
-                <a16:creationId xmlns:a16="http://schemas.microsoft.com/office/drawing/2014/main" id="{6040CC6E-1E40-4425-B9DF-A9CF82E6515E}"/>
-              </a:ext>
-            </a:extLst>
-          </p:cNvPr>
-          <p:cNvCxnSpPr>
-            <a:cxnSpLocks/>
-          </p:cNvCxnSpPr>
-          <p:nvPr/>
-        </p:nvCxnSpPr>
-        <p:spPr>
-          <a:xfrm flipV="1">
-            <a:off x="2784887" y="3482521"/>
-            <a:ext cx="3613462" cy="26708"/>
-          </a:xfrm>
-          <a:prstGeom prst="line">
-            <a:avLst/>
-          </a:prstGeom>
-          <a:ln w="50800" cmpd="sng">
-            <a:solidFill>
-              <a:srgbClr val="657383"/>
-            </a:solidFill>
-          </a:ln>
-        </p:spPr>
-        <p:style>
-          <a:lnRef idx="1">
-            <a:schemeClr val="accent1"/>
-          </a:lnRef>
-          <a:fillRef idx="0">
-            <a:schemeClr val="accent1"/>
-          </a:fillRef>
-          <a:effectRef idx="0">
-            <a:schemeClr val="accent1"/>
-          </a:effectRef>
-          <a:fontRef idx="minor">
-            <a:schemeClr val="tx1"/>
-          </a:fontRef>
-        </p:style>
-      </p:cxnSp>
-      <p:cxnSp>
-        <p:nvCxnSpPr>
-          <p:cNvPr id="51" name="Прямая соединительная линия 50">
-            <a:extLst>
-              <a:ext uri="{FF2B5EF4-FFF2-40B4-BE49-F238E27FC236}">
-                <a16:creationId xmlns:a16="http://schemas.microsoft.com/office/drawing/2014/main" id="{6040CC6E-1E40-4425-B9DF-A9CF82E6515E}"/>
-              </a:ext>
-            </a:extLst>
-          </p:cNvPr>
-          <p:cNvCxnSpPr>
-            <a:cxnSpLocks/>
-          </p:cNvCxnSpPr>
-          <p:nvPr/>
-        </p:nvCxnSpPr>
-        <p:spPr>
-          <a:xfrm>
-            <a:off x="1502875" y="5973294"/>
-            <a:ext cx="2145672" cy="0"/>
-          </a:xfrm>
-          <a:prstGeom prst="line">
-            <a:avLst/>
-          </a:prstGeom>
-          <a:ln w="50800" cmpd="sng">
-            <a:solidFill>
-              <a:srgbClr val="657383"/>
-            </a:solidFill>
-          </a:ln>
-        </p:spPr>
-        <p:style>
-          <a:lnRef idx="1">
-            <a:schemeClr val="accent1"/>
-          </a:lnRef>
-          <a:fillRef idx="0">
-            <a:schemeClr val="accent1"/>
-          </a:fillRef>
-          <a:effectRef idx="0">
-            <a:schemeClr val="accent1"/>
-          </a:effectRef>
-          <a:fontRef idx="minor">
-            <a:schemeClr val="tx1"/>
-          </a:fontRef>
-        </p:style>
-      </p:cxnSp>
-      <p:cxnSp>
-        <p:nvCxnSpPr>
           <p:cNvPr id="69" name="Прямая соединительная линия 68">
             <a:extLst>
               <a:ext uri="{FF2B5EF4-FFF2-40B4-BE49-F238E27FC236}">
@@ -13133,49 +12968,6 @@
           </a:fontRef>
         </p:style>
       </p:cxnSp>
-      <p:cxnSp>
-        <p:nvCxnSpPr>
-          <p:cNvPr id="97" name="Прямая соединительная линия 96">
-            <a:extLst>
-              <a:ext uri="{FF2B5EF4-FFF2-40B4-BE49-F238E27FC236}">
-                <a16:creationId xmlns:a16="http://schemas.microsoft.com/office/drawing/2014/main" id="{E6C4A853-12D3-45D9-896B-356054897F02}"/>
-              </a:ext>
-            </a:extLst>
-          </p:cNvPr>
-          <p:cNvCxnSpPr>
-            <a:cxnSpLocks/>
-          </p:cNvCxnSpPr>
-          <p:nvPr/>
-        </p:nvCxnSpPr>
-        <p:spPr>
-          <a:xfrm>
-            <a:off x="4252677" y="5973294"/>
-            <a:ext cx="2145672" cy="0"/>
-          </a:xfrm>
-          <a:prstGeom prst="line">
-            <a:avLst/>
-          </a:prstGeom>
-          <a:ln w="50800" cmpd="sng">
-            <a:solidFill>
-              <a:srgbClr val="657383"/>
-            </a:solidFill>
-          </a:ln>
-        </p:spPr>
-        <p:style>
-          <a:lnRef idx="1">
-            <a:schemeClr val="accent1"/>
-          </a:lnRef>
-          <a:fillRef idx="0">
-            <a:schemeClr val="accent1"/>
-          </a:fillRef>
-          <a:effectRef idx="0">
-            <a:schemeClr val="accent1"/>
-          </a:effectRef>
-          <a:fontRef idx="minor">
-            <a:schemeClr val="tx1"/>
-          </a:fontRef>
-        </p:style>
-      </p:cxnSp>
       <p:pic>
         <p:nvPicPr>
           <p:cNvPr id="107" name="Рисунок 106">
@@ -13191,7 +12983,7 @@
           <p:nvPr/>
         </p:nvPicPr>
         <p:blipFill>
-          <a:blip r:embed="rId8"/>
+          <a:blip r:embed="rId9"/>
           <a:stretch>
             <a:fillRect/>
           </a:stretch>
@@ -13206,45 +12998,40 @@
           </a:prstGeom>
         </p:spPr>
       </p:pic>
-      <p:sp>
-        <p:nvSpPr>
-          <p:cNvPr id="2" name="TextBox 1">
-            <a:extLst>
-              <a:ext uri="{FF2B5EF4-FFF2-40B4-BE49-F238E27FC236}">
-                <a16:creationId xmlns:a16="http://schemas.microsoft.com/office/drawing/2014/main" id="{A635C442-C233-4711-BDA0-D6CE79D4EE6C}"/>
-              </a:ext>
-            </a:extLst>
-          </p:cNvPr>
-          <p:cNvSpPr txBox="1"/>
-          <p:nvPr/>
-        </p:nvSpPr>
-        <p:spPr>
-          <a:xfrm>
-            <a:off x="7867462" y="5973294"/>
-            <a:ext cx="1557196" cy="382239"/>
-          </a:xfrm>
-          <a:prstGeom prst="rect">
-            <a:avLst/>
-          </a:prstGeom>
-          <a:noFill/>
-        </p:spPr>
-        <p:txBody>
-          <a:bodyPr wrap="square" rtlCol="0">
-            <a:spAutoFit/>
-          </a:bodyPr>
-          <a:lstStyle/>
-          <a:p>
-            <a:r>
-              <a:rPr lang="ru-RU" dirty="0"/>
-              <a:t>Не определен</a:t>
-            </a:r>
-          </a:p>
-        </p:txBody>
-      </p:sp>
+      <p:pic>
+        <p:nvPicPr>
+          <p:cNvPr id="21" name="Рисунок 20">
+            <a:extLst>
+              <a:ext uri="{FF2B5EF4-FFF2-40B4-BE49-F238E27FC236}">
+                <a16:creationId xmlns:a16="http://schemas.microsoft.com/office/drawing/2014/main" id="{53718755-9BF5-46E0-9931-CB018DD862D2}"/>
+              </a:ext>
+            </a:extLst>
+          </p:cNvPr>
+          <p:cNvPicPr>
+            <a:picLocks noChangeAspect="1"/>
+          </p:cNvPicPr>
+          <p:nvPr/>
+        </p:nvPicPr>
+        <p:blipFill>
+          <a:blip r:embed="rId10"/>
+          <a:stretch>
+            <a:fillRect/>
+          </a:stretch>
+        </p:blipFill>
+        <p:spPr>
+          <a:xfrm rot="10800000">
+            <a:off x="7142132" y="3645984"/>
+            <a:ext cx="935530" cy="265998"/>
+          </a:xfrm>
+          <a:prstGeom prst="rect">
+            <a:avLst/>
+          </a:prstGeom>
+        </p:spPr>
+      </p:pic>
     </p:spTree>
     <p:extLst>
       <p:ext uri="{BB962C8B-B14F-4D97-AF65-F5344CB8AC3E}">
-        <p14:creationId xmlns:p14="http://schemas.microsoft.com/office/powerpoint/2010/main" val="1064561403"/>
+        <p14:creationId xmlns:p14="http://schemas.microsoft.com/office/powerpoint/2010/main" val="103275476"/>
       </p:ext>
     </p:extLst>
   </p:cSld>
@@ -13655,6 +13442,49 @@
       </p:cxnSp>
       <p:cxnSp>
         <p:nvCxnSpPr>
+          <p:cNvPr id="51" name="Прямая соединительная линия 50">
+            <a:extLst>
+              <a:ext uri="{FF2B5EF4-FFF2-40B4-BE49-F238E27FC236}">
+                <a16:creationId xmlns:a16="http://schemas.microsoft.com/office/drawing/2014/main" id="{6040CC6E-1E40-4425-B9DF-A9CF82E6515E}"/>
+              </a:ext>
+            </a:extLst>
+          </p:cNvPr>
+          <p:cNvCxnSpPr>
+            <a:cxnSpLocks/>
+          </p:cNvCxnSpPr>
+          <p:nvPr/>
+        </p:nvCxnSpPr>
+        <p:spPr>
+          <a:xfrm>
+            <a:off x="1502875" y="5973294"/>
+            <a:ext cx="2145672" cy="0"/>
+          </a:xfrm>
+          <a:prstGeom prst="line">
+            <a:avLst/>
+          </a:prstGeom>
+          <a:ln w="50800" cmpd="sng">
+            <a:solidFill>
+              <a:srgbClr val="657383"/>
+            </a:solidFill>
+          </a:ln>
+        </p:spPr>
+        <p:style>
+          <a:lnRef idx="1">
+            <a:schemeClr val="accent1"/>
+          </a:lnRef>
+          <a:fillRef idx="0">
+            <a:schemeClr val="accent1"/>
+          </a:fillRef>
+          <a:effectRef idx="0">
+            <a:schemeClr val="accent1"/>
+          </a:effectRef>
+          <a:fontRef idx="minor">
+            <a:schemeClr val="tx1"/>
+          </a:fontRef>
+        </p:style>
+      </p:cxnSp>
+      <p:cxnSp>
+        <p:nvCxnSpPr>
           <p:cNvPr id="69" name="Прямая соединительная линия 68">
             <a:extLst>
               <a:ext uri="{FF2B5EF4-FFF2-40B4-BE49-F238E27FC236}">
@@ -13741,6 +13571,49 @@
           </a:fontRef>
         </p:style>
       </p:cxnSp>
+      <p:cxnSp>
+        <p:nvCxnSpPr>
+          <p:cNvPr id="97" name="Прямая соединительная линия 96">
+            <a:extLst>
+              <a:ext uri="{FF2B5EF4-FFF2-40B4-BE49-F238E27FC236}">
+                <a16:creationId xmlns:a16="http://schemas.microsoft.com/office/drawing/2014/main" id="{E6C4A853-12D3-45D9-896B-356054897F02}"/>
+              </a:ext>
+            </a:extLst>
+          </p:cNvPr>
+          <p:cNvCxnSpPr>
+            <a:cxnSpLocks/>
+          </p:cNvCxnSpPr>
+          <p:nvPr/>
+        </p:nvCxnSpPr>
+        <p:spPr>
+          <a:xfrm>
+            <a:off x="4252677" y="5973294"/>
+            <a:ext cx="2145672" cy="0"/>
+          </a:xfrm>
+          <a:prstGeom prst="line">
+            <a:avLst/>
+          </a:prstGeom>
+          <a:ln w="50800" cmpd="sng">
+            <a:solidFill>
+              <a:srgbClr val="657383"/>
+            </a:solidFill>
+          </a:ln>
+        </p:spPr>
+        <p:style>
+          <a:lnRef idx="1">
+            <a:schemeClr val="accent1"/>
+          </a:lnRef>
+          <a:fillRef idx="0">
+            <a:schemeClr val="accent1"/>
+          </a:fillRef>
+          <a:effectRef idx="0">
+            <a:schemeClr val="accent1"/>
+          </a:effectRef>
+          <a:fontRef idx="minor">
+            <a:schemeClr val="tx1"/>
+          </a:fontRef>
+        </p:style>
+      </p:cxnSp>
       <p:pic>
         <p:nvPicPr>
           <p:cNvPr id="107" name="Рисунок 106">
@@ -13801,10 +13674,105 @@
           </a:prstGeom>
         </p:spPr>
       </p:pic>
+      <p:pic>
+        <p:nvPicPr>
+          <p:cNvPr id="24" name="Рисунок 23">
+            <a:extLst>
+              <a:ext uri="{FF2B5EF4-FFF2-40B4-BE49-F238E27FC236}">
+                <a16:creationId xmlns:a16="http://schemas.microsoft.com/office/drawing/2014/main" id="{F0C75C33-781B-4F9A-A819-E1BCB59CB54F}"/>
+              </a:ext>
+            </a:extLst>
+          </p:cNvPr>
+          <p:cNvPicPr>
+            <a:picLocks noChangeAspect="1"/>
+          </p:cNvPicPr>
+          <p:nvPr/>
+        </p:nvPicPr>
+        <p:blipFill>
+          <a:blip r:embed="rId10"/>
+          <a:stretch>
+            <a:fillRect/>
+          </a:stretch>
+        </p:blipFill>
+        <p:spPr>
+          <a:xfrm rot="10800000">
+            <a:off x="5226996" y="6123756"/>
+            <a:ext cx="935530" cy="265998"/>
+          </a:xfrm>
+          <a:prstGeom prst="rect">
+            <a:avLst/>
+          </a:prstGeom>
+        </p:spPr>
+      </p:pic>
+      <p:pic>
+        <p:nvPicPr>
+          <p:cNvPr id="25" name="Рисунок 24">
+            <a:extLst>
+              <a:ext uri="{FF2B5EF4-FFF2-40B4-BE49-F238E27FC236}">
+                <a16:creationId xmlns:a16="http://schemas.microsoft.com/office/drawing/2014/main" id="{1C3235E0-4A6C-4ADF-9F2C-AF9C2163F0BE}"/>
+              </a:ext>
+            </a:extLst>
+          </p:cNvPr>
+          <p:cNvPicPr>
+            <a:picLocks noChangeAspect="1"/>
+          </p:cNvPicPr>
+          <p:nvPr/>
+        </p:nvPicPr>
+        <p:blipFill>
+          <a:blip r:embed="rId10"/>
+          <a:stretch>
+            <a:fillRect/>
+          </a:stretch>
+        </p:blipFill>
+        <p:spPr>
+          <a:xfrm rot="10800000">
+            <a:off x="2131206" y="6109720"/>
+            <a:ext cx="935530" cy="265998"/>
+          </a:xfrm>
+          <a:prstGeom prst="rect">
+            <a:avLst/>
+          </a:prstGeom>
+        </p:spPr>
+      </p:pic>
+      <p:sp>
+        <p:nvSpPr>
+          <p:cNvPr id="2" name="TextBox 1">
+            <a:extLst>
+              <a:ext uri="{FF2B5EF4-FFF2-40B4-BE49-F238E27FC236}">
+                <a16:creationId xmlns:a16="http://schemas.microsoft.com/office/drawing/2014/main" id="{0CBDB52D-B202-474C-8BF5-EC63C6F081C9}"/>
+              </a:ext>
+            </a:extLst>
+          </p:cNvPr>
+          <p:cNvSpPr txBox="1"/>
+          <p:nvPr/>
+        </p:nvSpPr>
+        <p:spPr>
+          <a:xfrm>
+            <a:off x="7926140" y="516481"/>
+            <a:ext cx="2372509" cy="400110"/>
+          </a:xfrm>
+          <a:prstGeom prst="rect">
+            <a:avLst/>
+          </a:prstGeom>
+          <a:noFill/>
+        </p:spPr>
+        <p:txBody>
+          <a:bodyPr wrap="none" rtlCol="0">
+            <a:spAutoFit/>
+          </a:bodyPr>
+          <a:lstStyle/>
+          <a:p>
+            <a:r>
+              <a:rPr lang="ru-RU" sz="2000" dirty="0"/>
+              <a:t>Зарядка АКБ от сети</a:t>
+            </a:r>
+          </a:p>
+        </p:txBody>
+      </p:sp>
     </p:spTree>
     <p:extLst>
       <p:ext uri="{BB962C8B-B14F-4D97-AF65-F5344CB8AC3E}">
-        <p14:creationId xmlns:p14="http://schemas.microsoft.com/office/powerpoint/2010/main" val="103275476"/>
+        <p14:creationId xmlns:p14="http://schemas.microsoft.com/office/powerpoint/2010/main" val="290860917"/>
       </p:ext>
     </p:extLst>
   </p:cSld>
@@ -13980,7 +13948,7 @@
           </a:stretch>
         </p:blipFill>
         <p:spPr>
-          <a:xfrm rot="10800000">
+          <a:xfrm>
             <a:off x="9620124" y="3649290"/>
             <a:ext cx="1051421" cy="268009"/>
           </a:xfrm>
@@ -14344,6 +14312,96 @@
           </a:fontRef>
         </p:style>
       </p:cxnSp>
+      <p:pic>
+        <p:nvPicPr>
+          <p:cNvPr id="83" name="Рисунок 82">
+            <a:extLst>
+              <a:ext uri="{FF2B5EF4-FFF2-40B4-BE49-F238E27FC236}">
+                <a16:creationId xmlns:a16="http://schemas.microsoft.com/office/drawing/2014/main" id="{6058B4E5-73F9-4221-813D-A6AEDCDDBA4C}"/>
+              </a:ext>
+            </a:extLst>
+          </p:cNvPr>
+          <p:cNvPicPr>
+            <a:picLocks noChangeAspect="1"/>
+          </p:cNvPicPr>
+          <p:nvPr/>
+        </p:nvPicPr>
+        <p:blipFill>
+          <a:blip r:embed="rId9"/>
+          <a:stretch>
+            <a:fillRect/>
+          </a:stretch>
+        </p:blipFill>
+        <p:spPr>
+          <a:xfrm>
+            <a:off x="5301642" y="6109720"/>
+            <a:ext cx="935530" cy="265998"/>
+          </a:xfrm>
+          <a:prstGeom prst="rect">
+            <a:avLst/>
+          </a:prstGeom>
+        </p:spPr>
+      </p:pic>
+      <p:pic>
+        <p:nvPicPr>
+          <p:cNvPr id="92" name="Рисунок 91">
+            <a:extLst>
+              <a:ext uri="{FF2B5EF4-FFF2-40B4-BE49-F238E27FC236}">
+                <a16:creationId xmlns:a16="http://schemas.microsoft.com/office/drawing/2014/main" id="{48CD9DDB-9252-43FD-8467-65A7F1E3B3A0}"/>
+              </a:ext>
+            </a:extLst>
+          </p:cNvPr>
+          <p:cNvPicPr>
+            <a:picLocks noChangeAspect="1"/>
+          </p:cNvPicPr>
+          <p:nvPr/>
+        </p:nvPicPr>
+        <p:blipFill>
+          <a:blip r:embed="rId9"/>
+          <a:stretch>
+            <a:fillRect/>
+          </a:stretch>
+        </p:blipFill>
+        <p:spPr>
+          <a:xfrm>
+            <a:off x="7086888" y="3645655"/>
+            <a:ext cx="935530" cy="265998"/>
+          </a:xfrm>
+          <a:prstGeom prst="rect">
+            <a:avLst/>
+          </a:prstGeom>
+        </p:spPr>
+      </p:pic>
+      <p:pic>
+        <p:nvPicPr>
+          <p:cNvPr id="94" name="Рисунок 93">
+            <a:extLst>
+              <a:ext uri="{FF2B5EF4-FFF2-40B4-BE49-F238E27FC236}">
+                <a16:creationId xmlns:a16="http://schemas.microsoft.com/office/drawing/2014/main" id="{4AD7BC58-19C6-4CFE-9D7D-426FE7C09B54}"/>
+              </a:ext>
+            </a:extLst>
+          </p:cNvPr>
+          <p:cNvPicPr>
+            <a:picLocks noChangeAspect="1"/>
+          </p:cNvPicPr>
+          <p:nvPr/>
+        </p:nvPicPr>
+        <p:blipFill>
+          <a:blip r:embed="rId9"/>
+          <a:stretch>
+            <a:fillRect/>
+          </a:stretch>
+        </p:blipFill>
+        <p:spPr>
+          <a:xfrm>
+            <a:off x="2232498" y="6123756"/>
+            <a:ext cx="935530" cy="265998"/>
+          </a:xfrm>
+          <a:prstGeom prst="rect">
+            <a:avLst/>
+          </a:prstGeom>
+        </p:spPr>
+      </p:pic>
       <p:cxnSp>
         <p:nvCxnSpPr>
           <p:cNvPr id="97" name="Прямая соединительная линия 96">
@@ -14402,7 +14460,7 @@
           <p:nvPr/>
         </p:nvPicPr>
         <p:blipFill>
-          <a:blip r:embed="rId9"/>
+          <a:blip r:embed="rId10"/>
           <a:stretch>
             <a:fillRect/>
           </a:stretch>
@@ -14411,96 +14469,6 @@
           <a:xfrm>
             <a:off x="8541280" y="2650307"/>
             <a:ext cx="645633" cy="1677782"/>
-          </a:xfrm>
-          <a:prstGeom prst="rect">
-            <a:avLst/>
-          </a:prstGeom>
-        </p:spPr>
-      </p:pic>
-      <p:pic>
-        <p:nvPicPr>
-          <p:cNvPr id="21" name="Рисунок 20">
-            <a:extLst>
-              <a:ext uri="{FF2B5EF4-FFF2-40B4-BE49-F238E27FC236}">
-                <a16:creationId xmlns:a16="http://schemas.microsoft.com/office/drawing/2014/main" id="{53718755-9BF5-46E0-9931-CB018DD862D2}"/>
-              </a:ext>
-            </a:extLst>
-          </p:cNvPr>
-          <p:cNvPicPr>
-            <a:picLocks noChangeAspect="1"/>
-          </p:cNvPicPr>
-          <p:nvPr/>
-        </p:nvPicPr>
-        <p:blipFill>
-          <a:blip r:embed="rId10"/>
-          <a:stretch>
-            <a:fillRect/>
-          </a:stretch>
-        </p:blipFill>
-        <p:spPr>
-          <a:xfrm rot="10800000">
-            <a:off x="7142132" y="3645984"/>
-            <a:ext cx="935530" cy="265998"/>
-          </a:xfrm>
-          <a:prstGeom prst="rect">
-            <a:avLst/>
-          </a:prstGeom>
-        </p:spPr>
-      </p:pic>
-      <p:pic>
-        <p:nvPicPr>
-          <p:cNvPr id="24" name="Рисунок 23">
-            <a:extLst>
-              <a:ext uri="{FF2B5EF4-FFF2-40B4-BE49-F238E27FC236}">
-                <a16:creationId xmlns:a16="http://schemas.microsoft.com/office/drawing/2014/main" id="{F0C75C33-781B-4F9A-A819-E1BCB59CB54F}"/>
-              </a:ext>
-            </a:extLst>
-          </p:cNvPr>
-          <p:cNvPicPr>
-            <a:picLocks noChangeAspect="1"/>
-          </p:cNvPicPr>
-          <p:nvPr/>
-        </p:nvPicPr>
-        <p:blipFill>
-          <a:blip r:embed="rId10"/>
-          <a:stretch>
-            <a:fillRect/>
-          </a:stretch>
-        </p:blipFill>
-        <p:spPr>
-          <a:xfrm rot="10800000">
-            <a:off x="5226996" y="6123756"/>
-            <a:ext cx="935530" cy="265998"/>
-          </a:xfrm>
-          <a:prstGeom prst="rect">
-            <a:avLst/>
-          </a:prstGeom>
-        </p:spPr>
-      </p:pic>
-      <p:pic>
-        <p:nvPicPr>
-          <p:cNvPr id="25" name="Рисунок 24">
-            <a:extLst>
-              <a:ext uri="{FF2B5EF4-FFF2-40B4-BE49-F238E27FC236}">
-                <a16:creationId xmlns:a16="http://schemas.microsoft.com/office/drawing/2014/main" id="{1C3235E0-4A6C-4ADF-9F2C-AF9C2163F0BE}"/>
-              </a:ext>
-            </a:extLst>
-          </p:cNvPr>
-          <p:cNvPicPr>
-            <a:picLocks noChangeAspect="1"/>
-          </p:cNvPicPr>
-          <p:nvPr/>
-        </p:nvPicPr>
-        <p:blipFill>
-          <a:blip r:embed="rId10"/>
-          <a:stretch>
-            <a:fillRect/>
-          </a:stretch>
-        </p:blipFill>
-        <p:spPr>
-          <a:xfrm rot="10800000">
-            <a:off x="2131206" y="6109720"/>
-            <a:ext cx="935530" cy="265998"/>
           </a:xfrm>
           <a:prstGeom prst="rect">
             <a:avLst/>
@@ -14512,7 +14480,7 @@
           <p:cNvPr id="2" name="TextBox 1">
             <a:extLst>
               <a:ext uri="{FF2B5EF4-FFF2-40B4-BE49-F238E27FC236}">
-                <a16:creationId xmlns:a16="http://schemas.microsoft.com/office/drawing/2014/main" id="{0CBDB52D-B202-474C-8BF5-EC63C6F081C9}"/>
+                <a16:creationId xmlns:a16="http://schemas.microsoft.com/office/drawing/2014/main" id="{90B7611A-C47E-406D-B99A-6A07A9D69A93}"/>
               </a:ext>
             </a:extLst>
           </p:cNvPr>
@@ -14521,8 +14489,8 @@
         </p:nvSpPr>
         <p:spPr>
           <a:xfrm>
-            <a:off x="7926140" y="516481"/>
-            <a:ext cx="2372509" cy="400110"/>
+            <a:off x="6893169" y="717452"/>
+            <a:ext cx="2789995" cy="400110"/>
           </a:xfrm>
           <a:prstGeom prst="rect">
             <a:avLst/>
@@ -14537,7 +14505,7 @@
           <a:p>
             <a:r>
               <a:rPr lang="ru-RU" sz="2000" dirty="0"/>
-              <a:t>Зарядка АКБ от сети</a:t>
+              <a:t>Генерация в сеть от АКБ</a:t>
             </a:r>
           </a:p>
         </p:txBody>
@@ -14545,7 +14513,7 @@
     </p:spTree>
     <p:extLst>
       <p:ext uri="{BB962C8B-B14F-4D97-AF65-F5344CB8AC3E}">
-        <p14:creationId xmlns:p14="http://schemas.microsoft.com/office/powerpoint/2010/main" val="290860917"/>
+        <p14:creationId xmlns:p14="http://schemas.microsoft.com/office/powerpoint/2010/main" val="3893697882"/>
       </p:ext>
     </p:extLst>
   </p:cSld>
@@ -14913,6 +14881,49 @@
       </p:cxnSp>
       <p:cxnSp>
         <p:nvCxnSpPr>
+          <p:cNvPr id="41" name="Прямая соединительная линия 40">
+            <a:extLst>
+              <a:ext uri="{FF2B5EF4-FFF2-40B4-BE49-F238E27FC236}">
+                <a16:creationId xmlns:a16="http://schemas.microsoft.com/office/drawing/2014/main" id="{6040CC6E-1E40-4425-B9DF-A9CF82E6515E}"/>
+              </a:ext>
+            </a:extLst>
+          </p:cNvPr>
+          <p:cNvCxnSpPr>
+            <a:cxnSpLocks/>
+          </p:cNvCxnSpPr>
+          <p:nvPr/>
+        </p:nvCxnSpPr>
+        <p:spPr>
+          <a:xfrm flipV="1">
+            <a:off x="2688879" y="1246240"/>
+            <a:ext cx="3709470" cy="26707"/>
+          </a:xfrm>
+          <a:prstGeom prst="line">
+            <a:avLst/>
+          </a:prstGeom>
+          <a:ln w="50800" cmpd="sng">
+            <a:solidFill>
+              <a:srgbClr val="657383"/>
+            </a:solidFill>
+          </a:ln>
+        </p:spPr>
+        <p:style>
+          <a:lnRef idx="1">
+            <a:schemeClr val="accent1"/>
+          </a:lnRef>
+          <a:fillRef idx="0">
+            <a:schemeClr val="accent1"/>
+          </a:fillRef>
+          <a:effectRef idx="0">
+            <a:schemeClr val="accent1"/>
+          </a:effectRef>
+          <a:fontRef idx="minor">
+            <a:schemeClr val="tx1"/>
+          </a:fontRef>
+        </p:style>
+      </p:cxnSp>
+      <p:cxnSp>
+        <p:nvCxnSpPr>
           <p:cNvPr id="44" name="Прямая соединительная линия 43">
             <a:extLst>
               <a:ext uri="{FF2B5EF4-FFF2-40B4-BE49-F238E27FC236}">
@@ -15117,6 +15128,36 @@
       </p:pic>
       <p:pic>
         <p:nvPicPr>
+          <p:cNvPr id="84" name="Рисунок 83">
+            <a:extLst>
+              <a:ext uri="{FF2B5EF4-FFF2-40B4-BE49-F238E27FC236}">
+                <a16:creationId xmlns:a16="http://schemas.microsoft.com/office/drawing/2014/main" id="{2C257CCA-D95E-419C-986A-C754A2F592D6}"/>
+              </a:ext>
+            </a:extLst>
+          </p:cNvPr>
+          <p:cNvPicPr>
+            <a:picLocks noChangeAspect="1"/>
+          </p:cNvPicPr>
+          <p:nvPr/>
+        </p:nvPicPr>
+        <p:blipFill>
+          <a:blip r:embed="rId9"/>
+          <a:stretch>
+            <a:fillRect/>
+          </a:stretch>
+        </p:blipFill>
+        <p:spPr>
+          <a:xfrm>
+            <a:off x="5189705" y="1375669"/>
+            <a:ext cx="935530" cy="265998"/>
+          </a:xfrm>
+          <a:prstGeom prst="rect">
+            <a:avLst/>
+          </a:prstGeom>
+        </p:spPr>
+      </p:pic>
+      <p:pic>
+        <p:nvPicPr>
           <p:cNvPr id="92" name="Рисунок 91">
             <a:extLst>
               <a:ext uri="{FF2B5EF4-FFF2-40B4-BE49-F238E27FC236}">
@@ -15253,7 +15294,7 @@
           <p:cNvPr id="2" name="TextBox 1">
             <a:extLst>
               <a:ext uri="{FF2B5EF4-FFF2-40B4-BE49-F238E27FC236}">
-                <a16:creationId xmlns:a16="http://schemas.microsoft.com/office/drawing/2014/main" id="{90B7611A-C47E-406D-B99A-6A07A9D69A93}"/>
+                <a16:creationId xmlns:a16="http://schemas.microsoft.com/office/drawing/2014/main" id="{A53F9E73-2723-40FA-8E94-BCA6BF0A97CB}"/>
               </a:ext>
             </a:extLst>
           </p:cNvPr>
@@ -15262,8 +15303,8 @@
         </p:nvSpPr>
         <p:spPr>
           <a:xfrm>
-            <a:off x="6893169" y="717452"/>
-            <a:ext cx="2789995" cy="400110"/>
+            <a:off x="6808056" y="316426"/>
+            <a:ext cx="4757713" cy="400110"/>
           </a:xfrm>
           <a:prstGeom prst="rect">
             <a:avLst/>
@@ -15278,7 +15319,7 @@
           <a:p>
             <a:r>
               <a:rPr lang="ru-RU" sz="2000" dirty="0"/>
-              <a:t>Генерация в сеть от АКБ</a:t>
+              <a:t>Генерация мощности в сеть от ФЭМ и АКБ</a:t>
             </a:r>
           </a:p>
         </p:txBody>
@@ -15286,7 +15327,7 @@
     </p:spTree>
     <p:extLst>
       <p:ext uri="{BB962C8B-B14F-4D97-AF65-F5344CB8AC3E}">
-        <p14:creationId xmlns:p14="http://schemas.microsoft.com/office/powerpoint/2010/main" val="3893697882"/>
+        <p14:creationId xmlns:p14="http://schemas.microsoft.com/office/powerpoint/2010/main" val="2582072928"/>
       </p:ext>
     </p:extLst>
   </p:cSld>
@@ -15740,49 +15781,6 @@
       </p:cxnSp>
       <p:cxnSp>
         <p:nvCxnSpPr>
-          <p:cNvPr id="51" name="Прямая соединительная линия 50">
-            <a:extLst>
-              <a:ext uri="{FF2B5EF4-FFF2-40B4-BE49-F238E27FC236}">
-                <a16:creationId xmlns:a16="http://schemas.microsoft.com/office/drawing/2014/main" id="{6040CC6E-1E40-4425-B9DF-A9CF82E6515E}"/>
-              </a:ext>
-            </a:extLst>
-          </p:cNvPr>
-          <p:cNvCxnSpPr>
-            <a:cxnSpLocks/>
-          </p:cNvCxnSpPr>
-          <p:nvPr/>
-        </p:nvCxnSpPr>
-        <p:spPr>
-          <a:xfrm>
-            <a:off x="1502875" y="5973294"/>
-            <a:ext cx="2145672" cy="0"/>
-          </a:xfrm>
-          <a:prstGeom prst="line">
-            <a:avLst/>
-          </a:prstGeom>
-          <a:ln w="50800" cmpd="sng">
-            <a:solidFill>
-              <a:srgbClr val="657383"/>
-            </a:solidFill>
-          </a:ln>
-        </p:spPr>
-        <p:style>
-          <a:lnRef idx="1">
-            <a:schemeClr val="accent1"/>
-          </a:lnRef>
-          <a:fillRef idx="0">
-            <a:schemeClr val="accent1"/>
-          </a:fillRef>
-          <a:effectRef idx="0">
-            <a:schemeClr val="accent1"/>
-          </a:effectRef>
-          <a:fontRef idx="minor">
-            <a:schemeClr val="tx1"/>
-          </a:fontRef>
-        </p:style>
-      </p:cxnSp>
-      <p:cxnSp>
-        <p:nvCxnSpPr>
           <p:cNvPr id="69" name="Прямая соединительная линия 68">
             <a:extLst>
               <a:ext uri="{FF2B5EF4-FFF2-40B4-BE49-F238E27FC236}">
@@ -15871,36 +15869,6 @@
       </p:cxnSp>
       <p:pic>
         <p:nvPicPr>
-          <p:cNvPr id="83" name="Рисунок 82">
-            <a:extLst>
-              <a:ext uri="{FF2B5EF4-FFF2-40B4-BE49-F238E27FC236}">
-                <a16:creationId xmlns:a16="http://schemas.microsoft.com/office/drawing/2014/main" id="{6058B4E5-73F9-4221-813D-A6AEDCDDBA4C}"/>
-              </a:ext>
-            </a:extLst>
-          </p:cNvPr>
-          <p:cNvPicPr>
-            <a:picLocks noChangeAspect="1"/>
-          </p:cNvPicPr>
-          <p:nvPr/>
-        </p:nvPicPr>
-        <p:blipFill>
-          <a:blip r:embed="rId9"/>
-          <a:stretch>
-            <a:fillRect/>
-          </a:stretch>
-        </p:blipFill>
-        <p:spPr>
-          <a:xfrm>
-            <a:off x="5301642" y="6109720"/>
-            <a:ext cx="935530" cy="265998"/>
-          </a:xfrm>
-          <a:prstGeom prst="rect">
-            <a:avLst/>
-          </a:prstGeom>
-        </p:spPr>
-      </p:pic>
-      <p:pic>
-        <p:nvPicPr>
           <p:cNvPr id="84" name="Рисунок 83">
             <a:extLst>
               <a:ext uri="{FF2B5EF4-FFF2-40B4-BE49-F238E27FC236}">
@@ -15959,79 +15927,6 @@
           </a:prstGeom>
         </p:spPr>
       </p:pic>
-      <p:pic>
-        <p:nvPicPr>
-          <p:cNvPr id="94" name="Рисунок 93">
-            <a:extLst>
-              <a:ext uri="{FF2B5EF4-FFF2-40B4-BE49-F238E27FC236}">
-                <a16:creationId xmlns:a16="http://schemas.microsoft.com/office/drawing/2014/main" id="{4AD7BC58-19C6-4CFE-9D7D-426FE7C09B54}"/>
-              </a:ext>
-            </a:extLst>
-          </p:cNvPr>
-          <p:cNvPicPr>
-            <a:picLocks noChangeAspect="1"/>
-          </p:cNvPicPr>
-          <p:nvPr/>
-        </p:nvPicPr>
-        <p:blipFill>
-          <a:blip r:embed="rId9"/>
-          <a:stretch>
-            <a:fillRect/>
-          </a:stretch>
-        </p:blipFill>
-        <p:spPr>
-          <a:xfrm>
-            <a:off x="2232498" y="6123756"/>
-            <a:ext cx="935530" cy="265998"/>
-          </a:xfrm>
-          <a:prstGeom prst="rect">
-            <a:avLst/>
-          </a:prstGeom>
-        </p:spPr>
-      </p:pic>
-      <p:cxnSp>
-        <p:nvCxnSpPr>
-          <p:cNvPr id="97" name="Прямая соединительная линия 96">
-            <a:extLst>
-              <a:ext uri="{FF2B5EF4-FFF2-40B4-BE49-F238E27FC236}">
-                <a16:creationId xmlns:a16="http://schemas.microsoft.com/office/drawing/2014/main" id="{E6C4A853-12D3-45D9-896B-356054897F02}"/>
-              </a:ext>
-            </a:extLst>
-          </p:cNvPr>
-          <p:cNvCxnSpPr>
-            <a:cxnSpLocks/>
-          </p:cNvCxnSpPr>
-          <p:nvPr/>
-        </p:nvCxnSpPr>
-        <p:spPr>
-          <a:xfrm>
-            <a:off x="4252677" y="5973294"/>
-            <a:ext cx="2145672" cy="0"/>
-          </a:xfrm>
-          <a:prstGeom prst="line">
-            <a:avLst/>
-          </a:prstGeom>
-          <a:ln w="50800" cmpd="sng">
-            <a:solidFill>
-              <a:srgbClr val="657383"/>
-            </a:solidFill>
-          </a:ln>
-        </p:spPr>
-        <p:style>
-          <a:lnRef idx="1">
-            <a:schemeClr val="accent1"/>
-          </a:lnRef>
-          <a:fillRef idx="0">
-            <a:schemeClr val="accent1"/>
-          </a:fillRef>
-          <a:effectRef idx="0">
-            <a:schemeClr val="accent1"/>
-          </a:effectRef>
-          <a:fontRef idx="minor">
-            <a:schemeClr val="tx1"/>
-          </a:fontRef>
-        </p:style>
-      </p:cxnSp>
       <p:pic>
         <p:nvPicPr>
           <p:cNvPr id="107" name="Рисунок 106">
@@ -16067,7 +15962,7 @@
           <p:cNvPr id="2" name="TextBox 1">
             <a:extLst>
               <a:ext uri="{FF2B5EF4-FFF2-40B4-BE49-F238E27FC236}">
-                <a16:creationId xmlns:a16="http://schemas.microsoft.com/office/drawing/2014/main" id="{A53F9E73-2723-40FA-8E94-BCA6BF0A97CB}"/>
+                <a16:creationId xmlns:a16="http://schemas.microsoft.com/office/drawing/2014/main" id="{316D4C89-6F6C-4AFD-BBB3-099FB83A9041}"/>
               </a:ext>
             </a:extLst>
           </p:cNvPr>
@@ -16076,8 +15971,8 @@
         </p:nvSpPr>
         <p:spPr>
           <a:xfrm>
-            <a:off x="6808056" y="316426"/>
-            <a:ext cx="4757713" cy="400110"/>
+            <a:off x="7073375" y="516481"/>
+            <a:ext cx="4078039" cy="400110"/>
           </a:xfrm>
           <a:prstGeom prst="rect">
             <a:avLst/>
@@ -16092,7 +15987,7 @@
           <a:p>
             <a:r>
               <a:rPr lang="ru-RU" sz="2000" dirty="0"/>
-              <a:t>Генерация мощности в сеть от ФЭМ и АКБ</a:t>
+              <a:t>Генерация мощности в сеть от ФЭМ</a:t>
             </a:r>
           </a:p>
         </p:txBody>
@@ -16100,7 +15995,7 @@
     </p:spTree>
     <p:extLst>
       <p:ext uri="{BB962C8B-B14F-4D97-AF65-F5344CB8AC3E}">
-        <p14:creationId xmlns:p14="http://schemas.microsoft.com/office/powerpoint/2010/main" val="2582072928"/>
+        <p14:creationId xmlns:p14="http://schemas.microsoft.com/office/powerpoint/2010/main" val="4042242493"/>
       </p:ext>
     </p:extLst>
   </p:cSld>
@@ -16554,674 +16449,6 @@
       </p:cxnSp>
       <p:cxnSp>
         <p:nvCxnSpPr>
-          <p:cNvPr id="69" name="Прямая соединительная линия 68">
-            <a:extLst>
-              <a:ext uri="{FF2B5EF4-FFF2-40B4-BE49-F238E27FC236}">
-                <a16:creationId xmlns:a16="http://schemas.microsoft.com/office/drawing/2014/main" id="{6040CC6E-1E40-4425-B9DF-A9CF82E6515E}"/>
-              </a:ext>
-            </a:extLst>
-          </p:cNvPr>
-          <p:cNvCxnSpPr>
-            <a:cxnSpLocks/>
-            <a:endCxn id="107" idx="1"/>
-          </p:cNvCxnSpPr>
-          <p:nvPr/>
-        </p:nvCxnSpPr>
-        <p:spPr>
-          <a:xfrm flipV="1">
-            <a:off x="6398349" y="3489198"/>
-            <a:ext cx="2142931" cy="6678"/>
-          </a:xfrm>
-          <a:prstGeom prst="line">
-            <a:avLst/>
-          </a:prstGeom>
-          <a:ln w="50800" cmpd="sng">
-            <a:solidFill>
-              <a:srgbClr val="657383"/>
-            </a:solidFill>
-          </a:ln>
-        </p:spPr>
-        <p:style>
-          <a:lnRef idx="1">
-            <a:schemeClr val="accent1"/>
-          </a:lnRef>
-          <a:fillRef idx="0">
-            <a:schemeClr val="accent1"/>
-          </a:fillRef>
-          <a:effectRef idx="0">
-            <a:schemeClr val="accent1"/>
-          </a:effectRef>
-          <a:fontRef idx="minor">
-            <a:schemeClr val="tx1"/>
-          </a:fontRef>
-        </p:style>
-      </p:cxnSp>
-      <p:cxnSp>
-        <p:nvCxnSpPr>
-          <p:cNvPr id="73" name="Прямая соединительная линия 72">
-            <a:extLst>
-              <a:ext uri="{FF2B5EF4-FFF2-40B4-BE49-F238E27FC236}">
-                <a16:creationId xmlns:a16="http://schemas.microsoft.com/office/drawing/2014/main" id="{6040CC6E-1E40-4425-B9DF-A9CF82E6515E}"/>
-              </a:ext>
-            </a:extLst>
-          </p:cNvPr>
-          <p:cNvCxnSpPr>
-            <a:cxnSpLocks/>
-            <a:endCxn id="16" idx="1"/>
-          </p:cNvCxnSpPr>
-          <p:nvPr/>
-        </p:nvCxnSpPr>
-        <p:spPr>
-          <a:xfrm>
-            <a:off x="9112395" y="3482521"/>
-            <a:ext cx="1937284" cy="0"/>
-          </a:xfrm>
-          <a:prstGeom prst="line">
-            <a:avLst/>
-          </a:prstGeom>
-          <a:ln w="50800" cmpd="sng">
-            <a:solidFill>
-              <a:srgbClr val="657383"/>
-            </a:solidFill>
-          </a:ln>
-        </p:spPr>
-        <p:style>
-          <a:lnRef idx="1">
-            <a:schemeClr val="accent1"/>
-          </a:lnRef>
-          <a:fillRef idx="0">
-            <a:schemeClr val="accent1"/>
-          </a:fillRef>
-          <a:effectRef idx="0">
-            <a:schemeClr val="accent1"/>
-          </a:effectRef>
-          <a:fontRef idx="minor">
-            <a:schemeClr val="tx1"/>
-          </a:fontRef>
-        </p:style>
-      </p:cxnSp>
-      <p:pic>
-        <p:nvPicPr>
-          <p:cNvPr id="84" name="Рисунок 83">
-            <a:extLst>
-              <a:ext uri="{FF2B5EF4-FFF2-40B4-BE49-F238E27FC236}">
-                <a16:creationId xmlns:a16="http://schemas.microsoft.com/office/drawing/2014/main" id="{2C257CCA-D95E-419C-986A-C754A2F592D6}"/>
-              </a:ext>
-            </a:extLst>
-          </p:cNvPr>
-          <p:cNvPicPr>
-            <a:picLocks noChangeAspect="1"/>
-          </p:cNvPicPr>
-          <p:nvPr/>
-        </p:nvPicPr>
-        <p:blipFill>
-          <a:blip r:embed="rId9"/>
-          <a:stretch>
-            <a:fillRect/>
-          </a:stretch>
-        </p:blipFill>
-        <p:spPr>
-          <a:xfrm>
-            <a:off x="5189705" y="1375669"/>
-            <a:ext cx="935530" cy="265998"/>
-          </a:xfrm>
-          <a:prstGeom prst="rect">
-            <a:avLst/>
-          </a:prstGeom>
-        </p:spPr>
-      </p:pic>
-      <p:pic>
-        <p:nvPicPr>
-          <p:cNvPr id="92" name="Рисунок 91">
-            <a:extLst>
-              <a:ext uri="{FF2B5EF4-FFF2-40B4-BE49-F238E27FC236}">
-                <a16:creationId xmlns:a16="http://schemas.microsoft.com/office/drawing/2014/main" id="{48CD9DDB-9252-43FD-8467-65A7F1E3B3A0}"/>
-              </a:ext>
-            </a:extLst>
-          </p:cNvPr>
-          <p:cNvPicPr>
-            <a:picLocks noChangeAspect="1"/>
-          </p:cNvPicPr>
-          <p:nvPr/>
-        </p:nvPicPr>
-        <p:blipFill>
-          <a:blip r:embed="rId9"/>
-          <a:stretch>
-            <a:fillRect/>
-          </a:stretch>
-        </p:blipFill>
-        <p:spPr>
-          <a:xfrm>
-            <a:off x="7086888" y="3645655"/>
-            <a:ext cx="935530" cy="265998"/>
-          </a:xfrm>
-          <a:prstGeom prst="rect">
-            <a:avLst/>
-          </a:prstGeom>
-        </p:spPr>
-      </p:pic>
-      <p:pic>
-        <p:nvPicPr>
-          <p:cNvPr id="107" name="Рисунок 106">
-            <a:extLst>
-              <a:ext uri="{FF2B5EF4-FFF2-40B4-BE49-F238E27FC236}">
-                <a16:creationId xmlns:a16="http://schemas.microsoft.com/office/drawing/2014/main" id="{F5D1A1D3-57AD-4D4A-B216-C3721025A941}"/>
-              </a:ext>
-            </a:extLst>
-          </p:cNvPr>
-          <p:cNvPicPr>
-            <a:picLocks noChangeAspect="1"/>
-          </p:cNvPicPr>
-          <p:nvPr/>
-        </p:nvPicPr>
-        <p:blipFill>
-          <a:blip r:embed="rId10"/>
-          <a:stretch>
-            <a:fillRect/>
-          </a:stretch>
-        </p:blipFill>
-        <p:spPr>
-          <a:xfrm>
-            <a:off x="8541280" y="2650307"/>
-            <a:ext cx="645633" cy="1677782"/>
-          </a:xfrm>
-          <a:prstGeom prst="rect">
-            <a:avLst/>
-          </a:prstGeom>
-        </p:spPr>
-      </p:pic>
-      <p:sp>
-        <p:nvSpPr>
-          <p:cNvPr id="2" name="TextBox 1">
-            <a:extLst>
-              <a:ext uri="{FF2B5EF4-FFF2-40B4-BE49-F238E27FC236}">
-                <a16:creationId xmlns:a16="http://schemas.microsoft.com/office/drawing/2014/main" id="{316D4C89-6F6C-4AFD-BBB3-099FB83A9041}"/>
-              </a:ext>
-            </a:extLst>
-          </p:cNvPr>
-          <p:cNvSpPr txBox="1"/>
-          <p:nvPr/>
-        </p:nvSpPr>
-        <p:spPr>
-          <a:xfrm>
-            <a:off x="7073375" y="516481"/>
-            <a:ext cx="4078039" cy="400110"/>
-          </a:xfrm>
-          <a:prstGeom prst="rect">
-            <a:avLst/>
-          </a:prstGeom>
-          <a:noFill/>
-        </p:spPr>
-        <p:txBody>
-          <a:bodyPr wrap="none" rtlCol="0">
-            <a:spAutoFit/>
-          </a:bodyPr>
-          <a:lstStyle/>
-          <a:p>
-            <a:r>
-              <a:rPr lang="ru-RU" sz="2000" dirty="0"/>
-              <a:t>Генерация мощности в сеть от ФЭМ</a:t>
-            </a:r>
-          </a:p>
-        </p:txBody>
-      </p:sp>
-    </p:spTree>
-    <p:extLst>
-      <p:ext uri="{BB962C8B-B14F-4D97-AF65-F5344CB8AC3E}">
-        <p14:creationId xmlns:p14="http://schemas.microsoft.com/office/powerpoint/2010/main" val="4042242493"/>
-      </p:ext>
-    </p:extLst>
-  </p:cSld>
-  <p:clrMapOvr>
-    <a:masterClrMapping/>
-  </p:clrMapOvr>
-</p:sld>
-</file>
-
-<file path=ppt/slides/slide26.xml><?xml version="1.0" encoding="utf-8"?>
-<p:sld xmlns:a="http://schemas.openxmlformats.org/drawingml/2006/main" xmlns:r="http://schemas.openxmlformats.org/officeDocument/2006/relationships" xmlns:p="http://schemas.openxmlformats.org/presentationml/2006/main">
-  <p:cSld>
-    <p:bg>
-      <p:bgPr>
-        <a:solidFill>
-          <a:schemeClr val="bg1"/>
-        </a:solidFill>
-        <a:effectLst/>
-      </p:bgPr>
-    </p:bg>
-    <p:spTree>
-      <p:nvGrpSpPr>
-        <p:cNvPr id="1" name=""/>
-        <p:cNvGrpSpPr/>
-        <p:nvPr/>
-      </p:nvGrpSpPr>
-      <p:grpSpPr>
-        <a:xfrm>
-          <a:off x="0" y="0"/>
-          <a:ext cx="0" cy="0"/>
-          <a:chOff x="0" y="0"/>
-          <a:chExt cx="0" cy="0"/>
-        </a:xfrm>
-      </p:grpSpPr>
-      <p:pic>
-        <p:nvPicPr>
-          <p:cNvPr id="12" name="Рисунок 11">
-            <a:extLst>
-              <a:ext uri="{FF2B5EF4-FFF2-40B4-BE49-F238E27FC236}">
-                <a16:creationId xmlns:a16="http://schemas.microsoft.com/office/drawing/2014/main" id="{DE009B6A-1EBB-4AD8-B638-8BBCBEC0CA97}"/>
-              </a:ext>
-            </a:extLst>
-          </p:cNvPr>
-          <p:cNvPicPr>
-            <a:picLocks noChangeAspect="1"/>
-          </p:cNvPicPr>
-          <p:nvPr/>
-        </p:nvPicPr>
-        <p:blipFill>
-          <a:blip r:embed="rId2"/>
-          <a:stretch>
-            <a:fillRect/>
-          </a:stretch>
-        </p:blipFill>
-        <p:spPr>
-          <a:xfrm>
-            <a:off x="55823" y="57407"/>
-            <a:ext cx="2877499" cy="1318258"/>
-          </a:xfrm>
-          <a:prstGeom prst="rect">
-            <a:avLst/>
-          </a:prstGeom>
-        </p:spPr>
-      </p:pic>
-      <p:pic>
-        <p:nvPicPr>
-          <p:cNvPr id="16" name="Рисунок 15">
-            <a:extLst>
-              <a:ext uri="{FF2B5EF4-FFF2-40B4-BE49-F238E27FC236}">
-                <a16:creationId xmlns:a16="http://schemas.microsoft.com/office/drawing/2014/main" id="{001EEE8D-1ABC-4A40-A959-41829B203CDF}"/>
-              </a:ext>
-            </a:extLst>
-          </p:cNvPr>
-          <p:cNvPicPr>
-            <a:picLocks noChangeAspect="1"/>
-          </p:cNvPicPr>
-          <p:nvPr/>
-        </p:nvPicPr>
-        <p:blipFill>
-          <a:blip r:embed="rId3"/>
-          <a:stretch>
-            <a:fillRect/>
-          </a:stretch>
-        </p:blipFill>
-        <p:spPr>
-          <a:xfrm>
-            <a:off x="11049679" y="2347186"/>
-            <a:ext cx="1051420" cy="2270669"/>
-          </a:xfrm>
-          <a:prstGeom prst="rect">
-            <a:avLst/>
-          </a:prstGeom>
-        </p:spPr>
-      </p:pic>
-      <p:pic>
-        <p:nvPicPr>
-          <p:cNvPr id="18" name="Рисунок 17">
-            <a:extLst>
-              <a:ext uri="{FF2B5EF4-FFF2-40B4-BE49-F238E27FC236}">
-                <a16:creationId xmlns:a16="http://schemas.microsoft.com/office/drawing/2014/main" id="{567D900F-FC6D-4842-A14F-DF95DC198CCB}"/>
-              </a:ext>
-            </a:extLst>
-          </p:cNvPr>
-          <p:cNvPicPr>
-            <a:picLocks noChangeAspect="1"/>
-          </p:cNvPicPr>
-          <p:nvPr/>
-        </p:nvPicPr>
-        <p:blipFill>
-          <a:blip r:embed="rId4"/>
-          <a:stretch>
-            <a:fillRect/>
-          </a:stretch>
-        </p:blipFill>
-        <p:spPr>
-          <a:xfrm>
-            <a:off x="17108" y="2763629"/>
-            <a:ext cx="1654023" cy="1670646"/>
-          </a:xfrm>
-          <a:prstGeom prst="rect">
-            <a:avLst/>
-          </a:prstGeom>
-        </p:spPr>
-      </p:pic>
-      <p:pic>
-        <p:nvPicPr>
-          <p:cNvPr id="22" name="Рисунок 21">
-            <a:extLst>
-              <a:ext uri="{FF2B5EF4-FFF2-40B4-BE49-F238E27FC236}">
-                <a16:creationId xmlns:a16="http://schemas.microsoft.com/office/drawing/2014/main" id="{D8D148AE-691D-4316-A69A-C3C8DBC38F5F}"/>
-              </a:ext>
-            </a:extLst>
-          </p:cNvPr>
-          <p:cNvPicPr>
-            <a:picLocks noChangeAspect="1"/>
-          </p:cNvPicPr>
-          <p:nvPr/>
-        </p:nvPicPr>
-        <p:blipFill>
-          <a:blip r:embed="rId5"/>
-          <a:stretch>
-            <a:fillRect/>
-          </a:stretch>
-        </p:blipFill>
-        <p:spPr>
-          <a:xfrm>
-            <a:off x="3638519" y="5019969"/>
-            <a:ext cx="614158" cy="1648534"/>
-          </a:xfrm>
-          <a:prstGeom prst="rect">
-            <a:avLst/>
-          </a:prstGeom>
-        </p:spPr>
-      </p:pic>
-      <p:pic>
-        <p:nvPicPr>
-          <p:cNvPr id="34" name="Рисунок 33">
-            <a:extLst>
-              <a:ext uri="{FF2B5EF4-FFF2-40B4-BE49-F238E27FC236}">
-                <a16:creationId xmlns:a16="http://schemas.microsoft.com/office/drawing/2014/main" id="{2069F1AD-93BB-429F-AFBB-C0944FFAC417}"/>
-              </a:ext>
-            </a:extLst>
-          </p:cNvPr>
-          <p:cNvPicPr>
-            <a:picLocks noChangeAspect="1"/>
-          </p:cNvPicPr>
-          <p:nvPr/>
-        </p:nvPicPr>
-        <p:blipFill>
-          <a:blip r:embed="rId6"/>
-          <a:stretch>
-            <a:fillRect/>
-          </a:stretch>
-        </p:blipFill>
-        <p:spPr>
-          <a:xfrm>
-            <a:off x="9620124" y="3649290"/>
-            <a:ext cx="1051421" cy="268009"/>
-          </a:xfrm>
-          <a:prstGeom prst="rect">
-            <a:avLst/>
-          </a:prstGeom>
-        </p:spPr>
-      </p:pic>
-      <p:sp>
-        <p:nvSpPr>
-          <p:cNvPr id="3" name="Стрелка: вниз 2">
-            <a:extLst>
-              <a:ext uri="{FF2B5EF4-FFF2-40B4-BE49-F238E27FC236}">
-                <a16:creationId xmlns:a16="http://schemas.microsoft.com/office/drawing/2014/main" id="{3E49A272-BA35-4B1E-9B7B-639619D689B9}"/>
-              </a:ext>
-            </a:extLst>
-          </p:cNvPr>
-          <p:cNvSpPr/>
-          <p:nvPr/>
-        </p:nvSpPr>
-        <p:spPr>
-          <a:xfrm rot="10800000">
-            <a:off x="11417701" y="1166172"/>
-            <a:ext cx="315376" cy="1104560"/>
-          </a:xfrm>
-          <a:prstGeom prst="downArrow">
-            <a:avLst/>
-          </a:prstGeom>
-          <a:solidFill>
-            <a:srgbClr val="657383"/>
-          </a:solidFill>
-        </p:spPr>
-        <p:style>
-          <a:lnRef idx="2">
-            <a:schemeClr val="accent1">
-              <a:shade val="50000"/>
-            </a:schemeClr>
-          </a:lnRef>
-          <a:fillRef idx="1">
-            <a:schemeClr val="accent1"/>
-          </a:fillRef>
-          <a:effectRef idx="0">
-            <a:schemeClr val="accent1"/>
-          </a:effectRef>
-          <a:fontRef idx="minor">
-            <a:schemeClr val="lt1"/>
-          </a:fontRef>
-        </p:style>
-        <p:txBody>
-          <a:bodyPr rtlCol="0" anchor="ctr"/>
-          <a:lstStyle/>
-          <a:p>
-            <a:pPr marL="0" marR="0" lvl="0" indent="0" algn="ctr" defTabSz="457200" rtl="0" eaLnBrk="1" fontAlgn="auto" latinLnBrk="0" hangingPunct="1">
-              <a:lnSpc>
-                <a:spcPct val="100000"/>
-              </a:lnSpc>
-              <a:spcBef>
-                <a:spcPts val="0"/>
-              </a:spcBef>
-              <a:spcAft>
-                <a:spcPts val="0"/>
-              </a:spcAft>
-              <a:buClrTx/>
-              <a:buSzTx/>
-              <a:buFontTx/>
-              <a:buNone/>
-              <a:tabLst/>
-              <a:defRPr/>
-            </a:pPr>
-            <a:endParaRPr kumimoji="0" lang="ru-RU" sz="1117" b="0" i="0" u="none" strike="noStrike" kern="1200" cap="none" spc="0" normalizeH="0" baseline="0" noProof="0">
-              <a:ln>
-                <a:noFill/>
-              </a:ln>
-              <a:solidFill>
-                <a:prstClr val="white"/>
-              </a:solidFill>
-              <a:effectLst/>
-              <a:uLnTx/>
-              <a:uFillTx/>
-              <a:latin typeface="Calibri" panose="020F0502020204030204"/>
-              <a:ea typeface="+mn-ea"/>
-              <a:cs typeface="+mn-cs"/>
-            </a:endParaRPr>
-          </a:p>
-        </p:txBody>
-      </p:sp>
-      <p:pic>
-        <p:nvPicPr>
-          <p:cNvPr id="23" name="Рисунок 22">
-            <a:extLst>
-              <a:ext uri="{FF2B5EF4-FFF2-40B4-BE49-F238E27FC236}">
-                <a16:creationId xmlns:a16="http://schemas.microsoft.com/office/drawing/2014/main" id="{B6CC3998-6354-47B0-8CFE-1EEA9ABDBC90}"/>
-              </a:ext>
-            </a:extLst>
-          </p:cNvPr>
-          <p:cNvPicPr>
-            <a:picLocks noChangeAspect="1"/>
-          </p:cNvPicPr>
-          <p:nvPr/>
-        </p:nvPicPr>
-        <p:blipFill>
-          <a:blip r:embed="rId7"/>
-          <a:stretch>
-            <a:fillRect/>
-          </a:stretch>
-        </p:blipFill>
-        <p:spPr>
-          <a:xfrm>
-            <a:off x="2083801" y="2881124"/>
-            <a:ext cx="982935" cy="1209670"/>
-          </a:xfrm>
-          <a:prstGeom prst="rect">
-            <a:avLst/>
-          </a:prstGeom>
-        </p:spPr>
-      </p:pic>
-      <p:pic>
-        <p:nvPicPr>
-          <p:cNvPr id="20" name="Рисунок 19">
-            <a:extLst>
-              <a:ext uri="{FF2B5EF4-FFF2-40B4-BE49-F238E27FC236}">
-                <a16:creationId xmlns:a16="http://schemas.microsoft.com/office/drawing/2014/main" id="{1C467594-7062-4BF0-A4D0-6E3E679DBBBF}"/>
-              </a:ext>
-            </a:extLst>
-          </p:cNvPr>
-          <p:cNvPicPr>
-            <a:picLocks noChangeAspect="1"/>
-          </p:cNvPicPr>
-          <p:nvPr/>
-        </p:nvPicPr>
-        <p:blipFill>
-          <a:blip r:embed="rId8"/>
-          <a:stretch>
-            <a:fillRect/>
-          </a:stretch>
-        </p:blipFill>
-        <p:spPr>
-          <a:xfrm>
-            <a:off x="0" y="5253513"/>
-            <a:ext cx="1654024" cy="1181446"/>
-          </a:xfrm>
-          <a:prstGeom prst="rect">
-            <a:avLst/>
-          </a:prstGeom>
-        </p:spPr>
-      </p:pic>
-      <p:cxnSp>
-        <p:nvCxnSpPr>
-          <p:cNvPr id="35" name="Прямая соединительная линия 34">
-            <a:extLst>
-              <a:ext uri="{FF2B5EF4-FFF2-40B4-BE49-F238E27FC236}">
-                <a16:creationId xmlns:a16="http://schemas.microsoft.com/office/drawing/2014/main" id="{6FEAB35C-12D1-4039-9C7C-8F8FF1B19FA6}"/>
-              </a:ext>
-            </a:extLst>
-          </p:cNvPr>
-          <p:cNvCxnSpPr>
-            <a:cxnSpLocks/>
-          </p:cNvCxnSpPr>
-          <p:nvPr/>
-        </p:nvCxnSpPr>
-        <p:spPr>
-          <a:xfrm>
-            <a:off x="6398349" y="264814"/>
-            <a:ext cx="0" cy="6328372"/>
-          </a:xfrm>
-          <a:prstGeom prst="line">
-            <a:avLst/>
-          </a:prstGeom>
-          <a:ln w="120650" cmpd="sng">
-            <a:solidFill>
-              <a:srgbClr val="657383"/>
-            </a:solidFill>
-          </a:ln>
-        </p:spPr>
-        <p:style>
-          <a:lnRef idx="1">
-            <a:schemeClr val="accent1"/>
-          </a:lnRef>
-          <a:fillRef idx="0">
-            <a:schemeClr val="accent1"/>
-          </a:fillRef>
-          <a:effectRef idx="0">
-            <a:schemeClr val="accent1"/>
-          </a:effectRef>
-          <a:fontRef idx="minor">
-            <a:schemeClr val="tx1"/>
-          </a:fontRef>
-        </p:style>
-      </p:cxnSp>
-      <p:cxnSp>
-        <p:nvCxnSpPr>
-          <p:cNvPr id="41" name="Прямая соединительная линия 40">
-            <a:extLst>
-              <a:ext uri="{FF2B5EF4-FFF2-40B4-BE49-F238E27FC236}">
-                <a16:creationId xmlns:a16="http://schemas.microsoft.com/office/drawing/2014/main" id="{6040CC6E-1E40-4425-B9DF-A9CF82E6515E}"/>
-              </a:ext>
-            </a:extLst>
-          </p:cNvPr>
-          <p:cNvCxnSpPr>
-            <a:cxnSpLocks/>
-          </p:cNvCxnSpPr>
-          <p:nvPr/>
-        </p:nvCxnSpPr>
-        <p:spPr>
-          <a:xfrm flipV="1">
-            <a:off x="2688879" y="1246240"/>
-            <a:ext cx="3709470" cy="26707"/>
-          </a:xfrm>
-          <a:prstGeom prst="line">
-            <a:avLst/>
-          </a:prstGeom>
-          <a:ln w="50800" cmpd="sng">
-            <a:solidFill>
-              <a:srgbClr val="657383"/>
-            </a:solidFill>
-          </a:ln>
-        </p:spPr>
-        <p:style>
-          <a:lnRef idx="1">
-            <a:schemeClr val="accent1"/>
-          </a:lnRef>
-          <a:fillRef idx="0">
-            <a:schemeClr val="accent1"/>
-          </a:fillRef>
-          <a:effectRef idx="0">
-            <a:schemeClr val="accent1"/>
-          </a:effectRef>
-          <a:fontRef idx="minor">
-            <a:schemeClr val="tx1"/>
-          </a:fontRef>
-        </p:style>
-      </p:cxnSp>
-      <p:cxnSp>
-        <p:nvCxnSpPr>
-          <p:cNvPr id="44" name="Прямая соединительная линия 43">
-            <a:extLst>
-              <a:ext uri="{FF2B5EF4-FFF2-40B4-BE49-F238E27FC236}">
-                <a16:creationId xmlns:a16="http://schemas.microsoft.com/office/drawing/2014/main" id="{6040CC6E-1E40-4425-B9DF-A9CF82E6515E}"/>
-              </a:ext>
-            </a:extLst>
-          </p:cNvPr>
-          <p:cNvCxnSpPr>
-            <a:cxnSpLocks/>
-          </p:cNvCxnSpPr>
-          <p:nvPr/>
-        </p:nvCxnSpPr>
-        <p:spPr>
-          <a:xfrm>
-            <a:off x="1558313" y="3509230"/>
-            <a:ext cx="742384" cy="0"/>
-          </a:xfrm>
-          <a:prstGeom prst="line">
-            <a:avLst/>
-          </a:prstGeom>
-          <a:ln w="50800" cmpd="sng">
-            <a:solidFill>
-              <a:srgbClr val="657383"/>
-            </a:solidFill>
-          </a:ln>
-        </p:spPr>
-        <p:style>
-          <a:lnRef idx="1">
-            <a:schemeClr val="accent1"/>
-          </a:lnRef>
-          <a:fillRef idx="0">
-            <a:schemeClr val="accent1"/>
-          </a:fillRef>
-          <a:effectRef idx="0">
-            <a:schemeClr val="accent1"/>
-          </a:effectRef>
-          <a:fontRef idx="minor">
-            <a:schemeClr val="tx1"/>
-          </a:fontRef>
-        </p:style>
-      </p:cxnSp>
-      <p:cxnSp>
-        <p:nvCxnSpPr>
           <p:cNvPr id="51" name="Прямая соединительная линия 50">
             <a:extLst>
               <a:ext uri="{FF2B5EF4-FFF2-40B4-BE49-F238E27FC236}">
@@ -17592,7 +16819,7 @@
 </p:sld>
 </file>
 
-<file path=ppt/slides/slide27.xml><?xml version="1.0" encoding="utf-8"?>
+<file path=ppt/slides/slide26.xml><?xml version="1.0" encoding="utf-8"?>
 <p:sld xmlns:a="http://schemas.openxmlformats.org/drawingml/2006/main" xmlns:r="http://schemas.openxmlformats.org/officeDocument/2006/relationships" xmlns:p="http://schemas.openxmlformats.org/presentationml/2006/main">
   <p:cSld>
     <p:bg>
